--- a/SPCK/SPCK.pptx
+++ b/SPCK/SPCK.pptx
@@ -221,7 +221,7 @@
           <a:p>
             <a:fld id="{70E4281C-6C41-46AE-8C06-AC489FDD99D2}" type="datetimeFigureOut">
               <a:rPr lang="en-US" smtClean="0"/>
-              <a:t>1/23/2024</a:t>
+              <a:t>1/24/2024</a:t>
             </a:fld>
             <a:endParaRPr lang="en-US"/>
           </a:p>
@@ -1879,7 +1879,7 @@
           <a:p>
             <a:fld id="{3D08E7FA-05AE-4461-8BDF-D798807A474E}" type="datetimeFigureOut">
               <a:rPr lang="en-US" smtClean="0"/>
-              <a:t>1/23/2024</a:t>
+              <a:t>1/24/2024</a:t>
             </a:fld>
             <a:endParaRPr lang="en-US"/>
           </a:p>
@@ -2079,7 +2079,7 @@
           <a:p>
             <a:fld id="{3D08E7FA-05AE-4461-8BDF-D798807A474E}" type="datetimeFigureOut">
               <a:rPr lang="en-US" smtClean="0"/>
-              <a:t>1/23/2024</a:t>
+              <a:t>1/24/2024</a:t>
             </a:fld>
             <a:endParaRPr lang="en-US"/>
           </a:p>
@@ -2289,7 +2289,7 @@
           <a:p>
             <a:fld id="{3D08E7FA-05AE-4461-8BDF-D798807A474E}" type="datetimeFigureOut">
               <a:rPr lang="en-US" smtClean="0"/>
-              <a:t>1/23/2024</a:t>
+              <a:t>1/24/2024</a:t>
             </a:fld>
             <a:endParaRPr lang="en-US"/>
           </a:p>
@@ -2489,7 +2489,7 @@
           <a:p>
             <a:fld id="{3D08E7FA-05AE-4461-8BDF-D798807A474E}" type="datetimeFigureOut">
               <a:rPr lang="en-US" smtClean="0"/>
-              <a:t>1/23/2024</a:t>
+              <a:t>1/24/2024</a:t>
             </a:fld>
             <a:endParaRPr lang="en-US"/>
           </a:p>
@@ -2765,7 +2765,7 @@
           <a:p>
             <a:fld id="{3D08E7FA-05AE-4461-8BDF-D798807A474E}" type="datetimeFigureOut">
               <a:rPr lang="en-US" smtClean="0"/>
-              <a:t>1/23/2024</a:t>
+              <a:t>1/24/2024</a:t>
             </a:fld>
             <a:endParaRPr lang="en-US"/>
           </a:p>
@@ -3033,7 +3033,7 @@
           <a:p>
             <a:fld id="{3D08E7FA-05AE-4461-8BDF-D798807A474E}" type="datetimeFigureOut">
               <a:rPr lang="en-US" smtClean="0"/>
-              <a:t>1/23/2024</a:t>
+              <a:t>1/24/2024</a:t>
             </a:fld>
             <a:endParaRPr lang="en-US"/>
           </a:p>
@@ -3448,7 +3448,7 @@
           <a:p>
             <a:fld id="{3D08E7FA-05AE-4461-8BDF-D798807A474E}" type="datetimeFigureOut">
               <a:rPr lang="en-US" smtClean="0"/>
-              <a:t>1/23/2024</a:t>
+              <a:t>1/24/2024</a:t>
             </a:fld>
             <a:endParaRPr lang="en-US"/>
           </a:p>
@@ -3590,7 +3590,7 @@
           <a:p>
             <a:fld id="{3D08E7FA-05AE-4461-8BDF-D798807A474E}" type="datetimeFigureOut">
               <a:rPr lang="en-US" smtClean="0"/>
-              <a:t>1/23/2024</a:t>
+              <a:t>1/24/2024</a:t>
             </a:fld>
             <a:endParaRPr lang="en-US"/>
           </a:p>
@@ -3703,7 +3703,7 @@
           <a:p>
             <a:fld id="{3D08E7FA-05AE-4461-8BDF-D798807A474E}" type="datetimeFigureOut">
               <a:rPr lang="en-US" smtClean="0"/>
-              <a:t>1/23/2024</a:t>
+              <a:t>1/24/2024</a:t>
             </a:fld>
             <a:endParaRPr lang="en-US"/>
           </a:p>
@@ -4016,7 +4016,7 @@
           <a:p>
             <a:fld id="{3D08E7FA-05AE-4461-8BDF-D798807A474E}" type="datetimeFigureOut">
               <a:rPr lang="en-US" smtClean="0"/>
-              <a:t>1/23/2024</a:t>
+              <a:t>1/24/2024</a:t>
             </a:fld>
             <a:endParaRPr lang="en-US"/>
           </a:p>
@@ -4305,7 +4305,7 @@
           <a:p>
             <a:fld id="{3D08E7FA-05AE-4461-8BDF-D798807A474E}" type="datetimeFigureOut">
               <a:rPr lang="en-US" smtClean="0"/>
-              <a:t>1/23/2024</a:t>
+              <a:t>1/24/2024</a:t>
             </a:fld>
             <a:endParaRPr lang="en-US"/>
           </a:p>
@@ -4548,7 +4548,7 @@
           <a:p>
             <a:fld id="{3D08E7FA-05AE-4461-8BDF-D798807A474E}" type="datetimeFigureOut">
               <a:rPr lang="en-US" smtClean="0"/>
-              <a:t>1/23/2024</a:t>
+              <a:t>1/24/2024</a:t>
             </a:fld>
             <a:endParaRPr lang="en-US"/>
           </a:p>

--- a/SPCK/SPCK.pptx
+++ b/SPCK/SPCK.pptx
@@ -221,7 +221,7 @@
           <a:p>
             <a:fld id="{70E4281C-6C41-46AE-8C06-AC489FDD99D2}" type="datetimeFigureOut">
               <a:rPr lang="en-US" smtClean="0"/>
-              <a:t>1/24/2024</a:t>
+              <a:t>2/17/2024</a:t>
             </a:fld>
             <a:endParaRPr lang="en-US"/>
           </a:p>
@@ -1879,7 +1879,7 @@
           <a:p>
             <a:fld id="{3D08E7FA-05AE-4461-8BDF-D798807A474E}" type="datetimeFigureOut">
               <a:rPr lang="en-US" smtClean="0"/>
-              <a:t>1/24/2024</a:t>
+              <a:t>2/17/2024</a:t>
             </a:fld>
             <a:endParaRPr lang="en-US"/>
           </a:p>
@@ -2079,7 +2079,7 @@
           <a:p>
             <a:fld id="{3D08E7FA-05AE-4461-8BDF-D798807A474E}" type="datetimeFigureOut">
               <a:rPr lang="en-US" smtClean="0"/>
-              <a:t>1/24/2024</a:t>
+              <a:t>2/17/2024</a:t>
             </a:fld>
             <a:endParaRPr lang="en-US"/>
           </a:p>
@@ -2289,7 +2289,7 @@
           <a:p>
             <a:fld id="{3D08E7FA-05AE-4461-8BDF-D798807A474E}" type="datetimeFigureOut">
               <a:rPr lang="en-US" smtClean="0"/>
-              <a:t>1/24/2024</a:t>
+              <a:t>2/17/2024</a:t>
             </a:fld>
             <a:endParaRPr lang="en-US"/>
           </a:p>
@@ -2489,7 +2489,7 @@
           <a:p>
             <a:fld id="{3D08E7FA-05AE-4461-8BDF-D798807A474E}" type="datetimeFigureOut">
               <a:rPr lang="en-US" smtClean="0"/>
-              <a:t>1/24/2024</a:t>
+              <a:t>2/17/2024</a:t>
             </a:fld>
             <a:endParaRPr lang="en-US"/>
           </a:p>
@@ -2765,7 +2765,7 @@
           <a:p>
             <a:fld id="{3D08E7FA-05AE-4461-8BDF-D798807A474E}" type="datetimeFigureOut">
               <a:rPr lang="en-US" smtClean="0"/>
-              <a:t>1/24/2024</a:t>
+              <a:t>2/17/2024</a:t>
             </a:fld>
             <a:endParaRPr lang="en-US"/>
           </a:p>
@@ -3033,7 +3033,7 @@
           <a:p>
             <a:fld id="{3D08E7FA-05AE-4461-8BDF-D798807A474E}" type="datetimeFigureOut">
               <a:rPr lang="en-US" smtClean="0"/>
-              <a:t>1/24/2024</a:t>
+              <a:t>2/17/2024</a:t>
             </a:fld>
             <a:endParaRPr lang="en-US"/>
           </a:p>
@@ -3448,7 +3448,7 @@
           <a:p>
             <a:fld id="{3D08E7FA-05AE-4461-8BDF-D798807A474E}" type="datetimeFigureOut">
               <a:rPr lang="en-US" smtClean="0"/>
-              <a:t>1/24/2024</a:t>
+              <a:t>2/17/2024</a:t>
             </a:fld>
             <a:endParaRPr lang="en-US"/>
           </a:p>
@@ -3590,7 +3590,7 @@
           <a:p>
             <a:fld id="{3D08E7FA-05AE-4461-8BDF-D798807A474E}" type="datetimeFigureOut">
               <a:rPr lang="en-US" smtClean="0"/>
-              <a:t>1/24/2024</a:t>
+              <a:t>2/17/2024</a:t>
             </a:fld>
             <a:endParaRPr lang="en-US"/>
           </a:p>
@@ -3703,7 +3703,7 @@
           <a:p>
             <a:fld id="{3D08E7FA-05AE-4461-8BDF-D798807A474E}" type="datetimeFigureOut">
               <a:rPr lang="en-US" smtClean="0"/>
-              <a:t>1/24/2024</a:t>
+              <a:t>2/17/2024</a:t>
             </a:fld>
             <a:endParaRPr lang="en-US"/>
           </a:p>
@@ -4016,7 +4016,7 @@
           <a:p>
             <a:fld id="{3D08E7FA-05AE-4461-8BDF-D798807A474E}" type="datetimeFigureOut">
               <a:rPr lang="en-US" smtClean="0"/>
-              <a:t>1/24/2024</a:t>
+              <a:t>2/17/2024</a:t>
             </a:fld>
             <a:endParaRPr lang="en-US"/>
           </a:p>
@@ -4305,7 +4305,7 @@
           <a:p>
             <a:fld id="{3D08E7FA-05AE-4461-8BDF-D798807A474E}" type="datetimeFigureOut">
               <a:rPr lang="en-US" smtClean="0"/>
-              <a:t>1/24/2024</a:t>
+              <a:t>2/17/2024</a:t>
             </a:fld>
             <a:endParaRPr lang="en-US"/>
           </a:p>
@@ -4548,7 +4548,7 @@
           <a:p>
             <a:fld id="{3D08E7FA-05AE-4461-8BDF-D798807A474E}" type="datetimeFigureOut">
               <a:rPr lang="en-US" smtClean="0"/>
-              <a:t>1/24/2024</a:t>
+              <a:t>2/17/2024</a:t>
             </a:fld>
             <a:endParaRPr lang="en-US"/>
           </a:p>
@@ -6959,27 +6959,83 @@
             <a:lstStyle/>
             <a:p>
               <a:r>
+                <a:rPr lang="en-US" sz="2000" err="1">
+                  <a:latin typeface="Arial" panose="020B0604020202020204" pitchFamily="34" charset="0"/>
+                  <a:cs typeface="Arial" panose="020B0604020202020204" pitchFamily="34" charset="0"/>
+                </a:rPr>
+                <a:t>Sản</a:t>
+              </a:r>
+              <a:r>
                 <a:rPr lang="en-US" sz="2000">
                   <a:latin typeface="Arial" panose="020B0604020202020204" pitchFamily="34" charset="0"/>
                   <a:cs typeface="Arial" panose="020B0604020202020204" pitchFamily="34" charset="0"/>
                 </a:rPr>
-                <a:t>Sản phẩm:</a:t>
+                <a:t> </a:t>
+              </a:r>
+              <a:r>
+                <a:rPr lang="en-US" sz="2000" err="1">
+                  <a:latin typeface="Arial" panose="020B0604020202020204" pitchFamily="34" charset="0"/>
+                  <a:cs typeface="Arial" panose="020B0604020202020204" pitchFamily="34" charset="0"/>
+                </a:rPr>
+                <a:t>phẩm</a:t>
+              </a:r>
+              <a:r>
+                <a:rPr lang="en-US" sz="2000">
+                  <a:latin typeface="Arial" panose="020B0604020202020204" pitchFamily="34" charset="0"/>
+                  <a:cs typeface="Arial" panose="020B0604020202020204" pitchFamily="34" charset="0"/>
+                </a:rPr>
+                <a:t>:</a:t>
               </a:r>
               <a:r>
                 <a:rPr lang="vi-VN" sz="2000">
                   <a:latin typeface="Arial" panose="020B0604020202020204" pitchFamily="34" charset="0"/>
                   <a:cs typeface="Arial" panose="020B0604020202020204" pitchFamily="34" charset="0"/>
                 </a:rPr>
-                <a:t> Phần mềm ghi chú Eclahtee</a:t>
+                <a:t> Eclahtee Note</a:t>
               </a:r>
             </a:p>
             <a:p>
+              <a:r>
+                <a:rPr lang="en-US" sz="2000" err="1">
+                  <a:latin typeface="Arial" panose="020B0604020202020204" pitchFamily="34" charset="0"/>
+                  <a:cs typeface="Arial" panose="020B0604020202020204" pitchFamily="34" charset="0"/>
+                </a:rPr>
+                <a:t>Người</a:t>
+              </a:r>
               <a:r>
                 <a:rPr lang="en-US" sz="2000">
                   <a:latin typeface="Arial" panose="020B0604020202020204" pitchFamily="34" charset="0"/>
                   <a:cs typeface="Arial" panose="020B0604020202020204" pitchFamily="34" charset="0"/>
                 </a:rPr>
-                <a:t>Người thyết trình: Mai Ngọc Châu</a:t>
+                <a:t> </a:t>
+              </a:r>
+              <a:r>
+                <a:rPr lang="en-US" sz="2000" err="1">
+                  <a:latin typeface="Arial" panose="020B0604020202020204" pitchFamily="34" charset="0"/>
+                  <a:cs typeface="Arial" panose="020B0604020202020204" pitchFamily="34" charset="0"/>
+                </a:rPr>
+                <a:t>thyết</a:t>
+              </a:r>
+              <a:r>
+                <a:rPr lang="en-US" sz="2000">
+                  <a:latin typeface="Arial" panose="020B0604020202020204" pitchFamily="34" charset="0"/>
+                  <a:cs typeface="Arial" panose="020B0604020202020204" pitchFamily="34" charset="0"/>
+                </a:rPr>
+                <a:t> </a:t>
+              </a:r>
+              <a:r>
+                <a:rPr lang="en-US" sz="2000" err="1">
+                  <a:latin typeface="Arial" panose="020B0604020202020204" pitchFamily="34" charset="0"/>
+                  <a:cs typeface="Arial" panose="020B0604020202020204" pitchFamily="34" charset="0"/>
+                </a:rPr>
+                <a:t>trình</a:t>
+              </a:r>
+              <a:r>
+                <a:rPr lang="en-US" sz="2000">
+                  <a:latin typeface="Arial" panose="020B0604020202020204" pitchFamily="34" charset="0"/>
+                  <a:cs typeface="Arial" panose="020B0604020202020204" pitchFamily="34" charset="0"/>
+                </a:rPr>
+                <a:t>: Mai Ngọc Châu</a:t>
               </a:r>
             </a:p>
           </p:txBody>
@@ -9383,66 +9439,13 @@
               </a:spcBef>
             </a:pPr>
             <a:r>
-              <a:rPr lang="en-US" sz="6000" b="1" spc="-51" err="1">
-                <a:solidFill>
-                  <a:schemeClr val="bg1"/>
-                </a:solidFill>
-              </a:rPr>
-              <a:t>Trình</a:t>
-            </a:r>
-            <a:r>
               <a:rPr lang="en-US" sz="6000" b="1" spc="-51">
                 <a:solidFill>
                   <a:schemeClr val="bg1"/>
                 </a:solidFill>
               </a:rPr>
-              <a:t> </a:t>
+              <a:t>Trình bày sản phẩm</a:t>
             </a:r>
-            <a:r>
-              <a:rPr lang="en-US" sz="6000" b="1" spc="-51" err="1">
-                <a:solidFill>
-                  <a:schemeClr val="bg1"/>
-                </a:solidFill>
-              </a:rPr>
-              <a:t>bày</a:t>
-            </a:r>
-            <a:r>
-              <a:rPr lang="en-US" sz="6000" b="1" spc="-51">
-                <a:solidFill>
-                  <a:schemeClr val="bg1"/>
-                </a:solidFill>
-              </a:rPr>
-              <a:t> </a:t>
-            </a:r>
-            <a:r>
-              <a:rPr lang="en-US" sz="6000" b="1" spc="-51" err="1">
-                <a:solidFill>
-                  <a:schemeClr val="bg1"/>
-                </a:solidFill>
-              </a:rPr>
-              <a:t>sản</a:t>
-            </a:r>
-            <a:r>
-              <a:rPr lang="en-US" sz="6000" b="1" spc="-51">
-                <a:solidFill>
-                  <a:schemeClr val="bg1"/>
-                </a:solidFill>
-              </a:rPr>
-              <a:t> </a:t>
-            </a:r>
-            <a:r>
-              <a:rPr lang="en-US" sz="6000" b="1" spc="-51" err="1">
-                <a:solidFill>
-                  <a:schemeClr val="bg1"/>
-                </a:solidFill>
-              </a:rPr>
-              <a:t>phẩm</a:t>
-            </a:r>
-            <a:endParaRPr lang="en-US" sz="6000" b="1" spc="-51">
-              <a:solidFill>
-                <a:schemeClr val="bg1"/>
-              </a:solidFill>
-            </a:endParaRPr>
           </a:p>
         </p:txBody>
       </p:sp>
@@ -11553,7 +11556,7 @@
         <p:spPr>
           <a:xfrm>
             <a:off x="5796653" y="2757983"/>
-            <a:ext cx="6228376" cy="2677656"/>
+            <a:ext cx="6228376" cy="2923877"/>
           </a:xfrm>
           <a:prstGeom prst="rect">
             <a:avLst/>
@@ -11576,16 +11579,15 @@
                   <a:schemeClr val="bg1"/>
                 </a:solidFill>
               </a:rPr>
-              <a:t>Một số lỗi về tốc độ phải hồi của Eclahtee Assistant do API phản hồi chậm.</a:t>
+              <a:t>Cho phép phần mềm chạy đa luồng để tránh tình trạng đóng băng cửa sổ khi API phản hồi.</a:t>
             </a:r>
-            <a:br>
-              <a:rPr lang="vi-VN" sz="2400">
-                <a:solidFill>
-                  <a:schemeClr val="bg1"/>
-                </a:solidFill>
-              </a:rPr>
-            </a:br>
-            <a:endParaRPr lang="vi-VN" sz="2400">
+          </a:p>
+          <a:p>
+            <a:pPr marL="342900" indent="-342900">
+              <a:buFont typeface="Arial" panose="020B0604020202020204" pitchFamily="34" charset="0"/>
+              <a:buChar char="•"/>
+            </a:pPr>
+            <a:endParaRPr lang="vi-VN" sz="2000">
               <a:solidFill>
                 <a:schemeClr val="bg1"/>
               </a:solidFill>
@@ -11602,16 +11604,11 @@
                   <a:schemeClr val="bg1"/>
                 </a:solidFill>
               </a:rPr>
-              <a:t>Thao tác sử dụng chưa thực sự trực quan (Hoặc là chỉ có 1 mình em thấy thế)</a:t>
+              <a:t>Một số thao tác sử dụng chưa thực sự trực quan.</a:t>
             </a:r>
-            <a:br>
-              <a:rPr lang="vi-VN" sz="2400">
-                <a:solidFill>
-                  <a:schemeClr val="bg1"/>
-                </a:solidFill>
-              </a:rPr>
-            </a:br>
-            <a:endParaRPr lang="vi-VN" sz="2400">
+          </a:p>
+          <a:p>
+            <a:endParaRPr lang="vi-VN" sz="1600">
               <a:solidFill>
                 <a:schemeClr val="bg1"/>
               </a:solidFill>
@@ -16493,75 +16490,6 @@
           </a:prstGeom>
         </p:spPr>
       </p:pic>
-      <p:sp>
-        <p:nvSpPr>
-          <p:cNvPr id="2" name="Hộp Văn bản 1">
-            <a:extLst>
-              <a:ext uri="{FF2B5EF4-FFF2-40B4-BE49-F238E27FC236}">
-                <a16:creationId xmlns:a16="http://schemas.microsoft.com/office/drawing/2014/main" id="{88E26FB1-55B5-4524-B361-B94342F92FC3}"/>
-              </a:ext>
-            </a:extLst>
-          </p:cNvPr>
-          <p:cNvSpPr txBox="1"/>
-          <p:nvPr/>
-        </p:nvSpPr>
-        <p:spPr>
-          <a:xfrm>
-            <a:off x="2191884" y="5710052"/>
-            <a:ext cx="8760732" cy="861774"/>
-          </a:xfrm>
-          <a:prstGeom prst="rect">
-            <a:avLst/>
-          </a:prstGeom>
-          <a:noFill/>
-        </p:spPr>
-        <p:txBody>
-          <a:bodyPr wrap="none" rtlCol="0">
-            <a:spAutoFit/>
-          </a:bodyPr>
-          <a:lstStyle/>
-          <a:p>
-            <a:pPr algn="ctr">
-              <a:lnSpc>
-                <a:spcPct val="150000"/>
-              </a:lnSpc>
-            </a:pPr>
-            <a:r>
-              <a:rPr lang="vi-VN" sz="2000">
-                <a:solidFill>
-                  <a:schemeClr val="tx1">
-                    <a:lumMod val="95000"/>
-                    <a:lumOff val="5000"/>
-                  </a:schemeClr>
-                </a:solidFill>
-              </a:rPr>
-              <a:t>Thông tin chi tiết về game được ghi trên trang web</a:t>
-            </a:r>
-          </a:p>
-          <a:p>
-            <a:pPr algn="ctr"/>
-            <a:r>
-              <a:rPr lang="vi-VN" sz="2000">
-                <a:solidFill>
-                  <a:schemeClr val="tx1">
-                    <a:lumMod val="95000"/>
-                    <a:lumOff val="5000"/>
-                  </a:schemeClr>
-                </a:solidFill>
-              </a:rPr>
-              <a:t>https://github.com/MaiNgocChau9/Python-App-A-/tree/Python-MindX/SPCK</a:t>
-            </a:r>
-            <a:endParaRPr lang="en-US" sz="2000">
-              <a:solidFill>
-                <a:schemeClr val="tx1">
-                  <a:lumMod val="95000"/>
-                  <a:lumOff val="5000"/>
-                </a:schemeClr>
-              </a:solidFill>
-            </a:endParaRPr>
-          </a:p>
-        </p:txBody>
-      </p:sp>
     </p:spTree>
     <p:extLst>
       <p:ext uri="{BB962C8B-B14F-4D97-AF65-F5344CB8AC3E}">
@@ -32964,7 +32892,7 @@
           <p:spPr>
             <a:xfrm>
               <a:off x="0" y="9525"/>
-              <a:ext cx="12952462" cy="1633012"/>
+              <a:ext cx="12952462" cy="1392829"/>
             </a:xfrm>
             <a:prstGeom prst="rect">
               <a:avLst/>
@@ -32985,65 +32913,81 @@
                 </a:spcBef>
               </a:pPr>
               <a:r>
-                <a:rPr lang="en-US" sz="6600" spc="-84" err="1">
+                <a:rPr lang="en-US" sz="6000" spc="-84" err="1">
                   <a:solidFill>
                     <a:schemeClr val="bg1"/>
                   </a:solidFill>
+                  <a:latin typeface="Arial" panose="020B0604020202020204" pitchFamily="34" charset="0"/>
+                  <a:cs typeface="Arial" panose="020B0604020202020204" pitchFamily="34" charset="0"/>
                 </a:rPr>
                 <a:t>Giới</a:t>
               </a:r>
               <a:r>
-                <a:rPr lang="en-US" sz="6600" spc="-84">
+                <a:rPr lang="en-US" sz="6000" spc="-84">
                   <a:solidFill>
                     <a:schemeClr val="bg1"/>
                   </a:solidFill>
+                  <a:latin typeface="Arial" panose="020B0604020202020204" pitchFamily="34" charset="0"/>
+                  <a:cs typeface="Arial" panose="020B0604020202020204" pitchFamily="34" charset="0"/>
                 </a:rPr>
                 <a:t> </a:t>
               </a:r>
               <a:r>
-                <a:rPr lang="en-US" sz="6600" spc="-84" err="1">
+                <a:rPr lang="en-US" sz="6000" spc="-84" err="1">
                   <a:solidFill>
                     <a:schemeClr val="bg1"/>
                   </a:solidFill>
+                  <a:latin typeface="Arial" panose="020B0604020202020204" pitchFamily="34" charset="0"/>
+                  <a:cs typeface="Arial" panose="020B0604020202020204" pitchFamily="34" charset="0"/>
                 </a:rPr>
                 <a:t>thiệu</a:t>
               </a:r>
               <a:r>
-                <a:rPr lang="en-US" sz="6600" spc="-84">
+                <a:rPr lang="en-US" sz="6000" spc="-84">
                   <a:solidFill>
                     <a:schemeClr val="bg1"/>
                   </a:solidFill>
+                  <a:latin typeface="Arial" panose="020B0604020202020204" pitchFamily="34" charset="0"/>
+                  <a:cs typeface="Arial" panose="020B0604020202020204" pitchFamily="34" charset="0"/>
                 </a:rPr>
                 <a:t> </a:t>
               </a:r>
               <a:r>
-                <a:rPr lang="en-US" sz="6600" spc="-84" err="1">
+                <a:rPr lang="en-US" sz="6000" spc="-84" err="1">
                   <a:solidFill>
                     <a:schemeClr val="bg1"/>
                   </a:solidFill>
+                  <a:latin typeface="Arial" panose="020B0604020202020204" pitchFamily="34" charset="0"/>
+                  <a:cs typeface="Arial" panose="020B0604020202020204" pitchFamily="34" charset="0"/>
                 </a:rPr>
                 <a:t>bản</a:t>
               </a:r>
               <a:r>
-                <a:rPr lang="en-US" sz="6600" spc="-84">
+                <a:rPr lang="en-US" sz="6000" spc="-84">
                   <a:solidFill>
                     <a:schemeClr val="bg1"/>
                   </a:solidFill>
+                  <a:latin typeface="Arial" panose="020B0604020202020204" pitchFamily="34" charset="0"/>
+                  <a:cs typeface="Arial" panose="020B0604020202020204" pitchFamily="34" charset="0"/>
                 </a:rPr>
                 <a:t> </a:t>
               </a:r>
               <a:r>
-                <a:rPr lang="en-US" sz="6600" spc="-84" err="1">
+                <a:rPr lang="en-US" sz="6000" spc="-84" err="1">
                   <a:solidFill>
                     <a:schemeClr val="bg1"/>
                   </a:solidFill>
+                  <a:latin typeface="Arial" panose="020B0604020202020204" pitchFamily="34" charset="0"/>
+                  <a:cs typeface="Arial" panose="020B0604020202020204" pitchFamily="34" charset="0"/>
                 </a:rPr>
                 <a:t>thân</a:t>
               </a:r>
-              <a:endParaRPr lang="en-US" sz="6600" spc="-84">
+              <a:endParaRPr lang="en-US" sz="6000" spc="-84">
                 <a:solidFill>
                   <a:schemeClr val="bg1"/>
                 </a:solidFill>
+                <a:latin typeface="Arial" panose="020B0604020202020204" pitchFamily="34" charset="0"/>
+                <a:cs typeface="Arial" panose="020B0604020202020204" pitchFamily="34" charset="0"/>
               </a:endParaRPr>
             </a:p>
           </p:txBody>
@@ -33084,6 +33028,8 @@
                   <a:solidFill>
                     <a:schemeClr val="bg1"/>
                   </a:solidFill>
+                  <a:latin typeface="Arial" panose="020B0604020202020204" pitchFamily="34" charset="0"/>
+                  <a:cs typeface="Arial" panose="020B0604020202020204" pitchFamily="34" charset="0"/>
                 </a:rPr>
                 <a:t>Họ</a:t>
               </a:r>
@@ -33092,6 +33038,8 @@
                   <a:solidFill>
                     <a:schemeClr val="bg1"/>
                   </a:solidFill>
+                  <a:latin typeface="Arial" panose="020B0604020202020204" pitchFamily="34" charset="0"/>
+                  <a:cs typeface="Arial" panose="020B0604020202020204" pitchFamily="34" charset="0"/>
                 </a:rPr>
                 <a:t> </a:t>
               </a:r>
@@ -33100,6 +33048,8 @@
                   <a:solidFill>
                     <a:schemeClr val="bg1"/>
                   </a:solidFill>
+                  <a:latin typeface="Arial" panose="020B0604020202020204" pitchFamily="34" charset="0"/>
+                  <a:cs typeface="Arial" panose="020B0604020202020204" pitchFamily="34" charset="0"/>
                 </a:rPr>
                 <a:t>và</a:t>
               </a:r>
@@ -33108,6 +33058,8 @@
                   <a:solidFill>
                     <a:schemeClr val="bg1"/>
                   </a:solidFill>
+                  <a:latin typeface="Arial" panose="020B0604020202020204" pitchFamily="34" charset="0"/>
+                  <a:cs typeface="Arial" panose="020B0604020202020204" pitchFamily="34" charset="0"/>
                 </a:rPr>
                 <a:t> </a:t>
               </a:r>
@@ -33116,6 +33068,8 @@
                   <a:solidFill>
                     <a:schemeClr val="bg1"/>
                   </a:solidFill>
+                  <a:latin typeface="Arial" panose="020B0604020202020204" pitchFamily="34" charset="0"/>
+                  <a:cs typeface="Arial" panose="020B0604020202020204" pitchFamily="34" charset="0"/>
                 </a:rPr>
                 <a:t>tên</a:t>
               </a:r>
@@ -33124,6 +33078,8 @@
                   <a:solidFill>
                     <a:schemeClr val="bg1"/>
                   </a:solidFill>
+                  <a:latin typeface="Arial" panose="020B0604020202020204" pitchFamily="34" charset="0"/>
+                  <a:cs typeface="Arial" panose="020B0604020202020204" pitchFamily="34" charset="0"/>
                 </a:rPr>
                 <a:t>: Mai Ngọc Châu</a:t>
               </a:r>
@@ -33138,6 +33094,8 @@
                   <a:solidFill>
                     <a:schemeClr val="bg1"/>
                   </a:solidFill>
+                  <a:latin typeface="Arial" panose="020B0604020202020204" pitchFamily="34" charset="0"/>
+                  <a:cs typeface="Arial" panose="020B0604020202020204" pitchFamily="34" charset="0"/>
                 </a:rPr>
                 <a:t>Tuổi</a:t>
               </a:r>
@@ -33146,6 +33104,8 @@
                   <a:solidFill>
                     <a:schemeClr val="bg1"/>
                   </a:solidFill>
+                  <a:latin typeface="Arial" panose="020B0604020202020204" pitchFamily="34" charset="0"/>
+                  <a:cs typeface="Arial" panose="020B0604020202020204" pitchFamily="34" charset="0"/>
                 </a:rPr>
                 <a:t>: </a:t>
               </a:r>
@@ -33154,6 +33114,8 @@
                   <a:solidFill>
                     <a:schemeClr val="bg1"/>
                   </a:solidFill>
+                  <a:latin typeface="Arial" panose="020B0604020202020204" pitchFamily="34" charset="0"/>
+                  <a:cs typeface="Arial" panose="020B0604020202020204" pitchFamily="34" charset="0"/>
                 </a:rPr>
                 <a:t>12</a:t>
               </a:r>
@@ -33162,6 +33124,8 @@
                   <a:solidFill>
                     <a:schemeClr val="bg1"/>
                   </a:solidFill>
+                  <a:latin typeface="Arial" panose="020B0604020202020204" pitchFamily="34" charset="0"/>
+                  <a:cs typeface="Arial" panose="020B0604020202020204" pitchFamily="34" charset="0"/>
                 </a:rPr>
                 <a:t> </a:t>
               </a:r>
@@ -33170,6 +33134,8 @@
                   <a:solidFill>
                     <a:schemeClr val="bg1"/>
                   </a:solidFill>
+                  <a:latin typeface="Arial" panose="020B0604020202020204" pitchFamily="34" charset="0"/>
+                  <a:cs typeface="Arial" panose="020B0604020202020204" pitchFamily="34" charset="0"/>
                 </a:rPr>
                 <a:t>tuổi</a:t>
               </a:r>
@@ -33177,6 +33143,8 @@
                 <a:solidFill>
                   <a:schemeClr val="bg1"/>
                 </a:solidFill>
+                <a:latin typeface="Arial" panose="020B0604020202020204" pitchFamily="34" charset="0"/>
+                <a:cs typeface="Arial" panose="020B0604020202020204" pitchFamily="34" charset="0"/>
               </a:endParaRPr>
             </a:p>
           </p:txBody>
@@ -35485,29 +35453,25 @@
                 <a:buChar char="•"/>
               </a:pPr>
               <a:r>
-                <a:rPr lang="vi-VN" sz="2700" b="0" i="0">
+                <a:rPr lang="vi-VN" sz="2700" b="1">
                   <a:solidFill>
                     <a:schemeClr val="bg1"/>
                   </a:solidFill>
-                  <a:effectLst/>
                   <a:latin typeface="Calibri" panose="020F0502020204030204" pitchFamily="34" charset="0"/>
                   <a:ea typeface="Calibri" panose="020F0502020204030204" pitchFamily="34" charset="0"/>
                   <a:cs typeface="Calibri" panose="020F0502020204030204" pitchFamily="34" charset="0"/>
                 </a:rPr>
-                <a:t> </a:t>
+                <a:t> Phần mềm ghi chú đơn giản, dễ sử dụng</a:t>
               </a:r>
-              <a:r>
-                <a:rPr lang="vi-VN" sz="2700" b="1" i="0">
-                  <a:solidFill>
-                    <a:schemeClr val="bg1"/>
-                  </a:solidFill>
-                  <a:effectLst/>
-                  <a:latin typeface="Calibri" panose="020F0502020204030204" pitchFamily="34" charset="0"/>
-                  <a:ea typeface="Calibri" panose="020F0502020204030204" pitchFamily="34" charset="0"/>
-                  <a:cs typeface="Calibri" panose="020F0502020204030204" pitchFamily="34" charset="0"/>
-                </a:rPr>
-                <a:t>Tích hợp AI</a:t>
-              </a:r>
+              <a:endParaRPr lang="vi-VN" sz="2700" b="1" i="0">
+                <a:solidFill>
+                  <a:schemeClr val="bg1"/>
+                </a:solidFill>
+                <a:effectLst/>
+                <a:latin typeface="Calibri" panose="020F0502020204030204" pitchFamily="34" charset="0"/>
+                <a:ea typeface="Calibri" panose="020F0502020204030204" pitchFamily="34" charset="0"/>
+                <a:cs typeface="Calibri" panose="020F0502020204030204" pitchFamily="34" charset="0"/>
+              </a:endParaRPr>
             </a:p>
             <a:p>
               <a:pPr lvl="1" algn="just">
@@ -35542,7 +35506,7 @@
                   <a:ea typeface="Calibri" panose="020F0502020204030204" pitchFamily="34" charset="0"/>
                   <a:cs typeface="Calibri" panose="020F0502020204030204" pitchFamily="34" charset="0"/>
                 </a:rPr>
-                <a:t>Dễ sử dụng, tạo, chỉnh sửa, xóa bỏ ghi chú, tạo danh sách việc cần làm chỉ với vài thao tác đơn giản.</a:t>
+                <a:t>Tạo, chỉnh sửa, xóa bỏ ghi chú, tạo danh sách việc cần làm chỉ với vài thao tác đơn giản.</a:t>
               </a:r>
             </a:p>
             <a:p>

--- a/SPCK/SPCK.pptx
+++ b/SPCK/SPCK.pptx
@@ -7937,13 +7937,13 @@
   <p:clrMapOvr>
     <a:masterClrMapping/>
   </p:clrMapOvr>
-  <mc:AlternateContent xmlns:mc="http://schemas.openxmlformats.org/markup-compatibility/2006" xmlns:p159="http://schemas.microsoft.com/office/powerpoint/2015/09/main">
-    <mc:Choice Requires="p159">
+  <mc:AlternateContent xmlns:mc="http://schemas.openxmlformats.org/markup-compatibility/2006">
+    <mc:Choice xmlns:p159="http://schemas.microsoft.com/office/powerpoint/2015/09/main" Requires="p159">
       <p:transition spd="slow">
         <p159:morph option="byObject"/>
       </p:transition>
     </mc:Choice>
-    <mc:Fallback xmlns="">
+    <mc:Fallback>
       <p:transition spd="slow">
         <p:fade/>
       </p:transition>
@@ -10139,13 +10139,13 @@
   <p:clrMapOvr>
     <a:masterClrMapping/>
   </p:clrMapOvr>
-  <mc:AlternateContent xmlns:mc="http://schemas.openxmlformats.org/markup-compatibility/2006" xmlns:p159="http://schemas.microsoft.com/office/powerpoint/2015/09/main">
-    <mc:Choice Requires="p159">
+  <mc:AlternateContent xmlns:mc="http://schemas.openxmlformats.org/markup-compatibility/2006">
+    <mc:Choice xmlns:p159="http://schemas.microsoft.com/office/powerpoint/2015/09/main" Requires="p159">
       <p:transition spd="slow">
         <p159:morph option="byObject"/>
       </p:transition>
     </mc:Choice>
-    <mc:Fallback xmlns="">
+    <mc:Fallback>
       <p:transition spd="slow">
         <p:fade/>
       </p:transition>
@@ -12260,7 +12260,7 @@
             </a:extLst>
           </p:cNvPr>
           <p:cNvPicPr>
-            <a:picLocks noGrp="1" noRot="1" noChangeAspect="1" noMove="1" noResize="1" noEditPoints="1" noAdjustHandles="1" noChangeArrowheads="1" noChangeShapeType="1" noCrop="1"/>
+            <a:picLocks noChangeAspect="1"/>
           </p:cNvPicPr>
           <p:nvPr/>
         </p:nvPicPr>
@@ -12281,7 +12281,7 @@
         </p:blipFill>
         <p:spPr>
           <a:xfrm>
-            <a:off x="2867599" y="556288"/>
+            <a:off x="2867599" y="1296516"/>
             <a:ext cx="1011732" cy="1011732"/>
           </a:xfrm>
           <a:prstGeom prst="rect">
@@ -12299,13 +12299,13 @@
             </a:extLst>
           </p:cNvPr>
           <p:cNvSpPr txBox="1">
-            <a:spLocks noGrp="1" noRot="1" noMove="1" noResize="1" noEditPoints="1" noAdjustHandles="1" noChangeArrowheads="1" noChangeShapeType="1"/>
+            <a:spLocks/>
           </p:cNvSpPr>
           <p:nvPr/>
         </p:nvSpPr>
         <p:spPr>
           <a:xfrm>
-            <a:off x="3865818" y="646656"/>
+            <a:off x="3865818" y="1386884"/>
             <a:ext cx="6561668" cy="830997"/>
           </a:xfrm>
           <a:prstGeom prst="rect">
@@ -12762,13 +12762,13 @@
   <p:clrMapOvr>
     <a:masterClrMapping/>
   </p:clrMapOvr>
-  <mc:AlternateContent xmlns:mc="http://schemas.openxmlformats.org/markup-compatibility/2006" xmlns:p159="http://schemas.microsoft.com/office/powerpoint/2015/09/main">
-    <mc:Choice Requires="p159">
+  <mc:AlternateContent xmlns:mc="http://schemas.openxmlformats.org/markup-compatibility/2006">
+    <mc:Choice xmlns:p159="http://schemas.microsoft.com/office/powerpoint/2015/09/main" Requires="p159">
       <p:transition spd="slow">
         <p159:morph option="byObject"/>
       </p:transition>
     </mc:Choice>
-    <mc:Fallback xmlns="">
+    <mc:Fallback>
       <p:transition spd="slow">
         <p:fade/>
       </p:transition>
@@ -14914,91 +14914,6 @@
           </a:prstGeom>
         </p:spPr>
       </p:pic>
-      <p:pic>
-        <p:nvPicPr>
-          <p:cNvPr id="2" name="!Đồ họa 60" descr="Lightbulb with solid fill">
-            <a:extLst>
-              <a:ext uri="{FF2B5EF4-FFF2-40B4-BE49-F238E27FC236}">
-                <a16:creationId xmlns:a16="http://schemas.microsoft.com/office/drawing/2014/main" id="{93C0F410-D468-43DF-FCBA-D7CDB9F16B60}"/>
-              </a:ext>
-            </a:extLst>
-          </p:cNvPr>
-          <p:cNvPicPr>
-            <a:picLocks noGrp="1" noRot="1" noChangeAspect="1" noMove="1" noResize="1" noEditPoints="1" noAdjustHandles="1" noChangeArrowheads="1" noChangeShapeType="1" noCrop="1"/>
-          </p:cNvPicPr>
-          <p:nvPr/>
-        </p:nvPicPr>
-        <p:blipFill>
-          <a:blip r:embed="rId41">
-            <a:extLst>
-              <a:ext uri="{28A0092B-C50C-407E-A947-70E740481C1C}">
-                <a14:useLocalDpi xmlns:a14="http://schemas.microsoft.com/office/drawing/2010/main" val="0"/>
-              </a:ext>
-              <a:ext uri="{96DAC541-7B7A-43D3-8B79-37D633B846F1}">
-                <asvg:svgBlip xmlns:asvg="http://schemas.microsoft.com/office/drawing/2016/SVG/main" r:embed="rId42"/>
-              </a:ext>
-            </a:extLst>
-          </a:blip>
-          <a:stretch>
-            <a:fillRect/>
-          </a:stretch>
-        </p:blipFill>
-        <p:spPr>
-          <a:xfrm>
-            <a:off x="2867599" y="556288"/>
-            <a:ext cx="1011732" cy="1011732"/>
-          </a:xfrm>
-          <a:prstGeom prst="rect">
-            <a:avLst/>
-          </a:prstGeom>
-        </p:spPr>
-      </p:pic>
-      <p:sp>
-        <p:nvSpPr>
-          <p:cNvPr id="4" name="!TextBox 11">
-            <a:extLst>
-              <a:ext uri="{FF2B5EF4-FFF2-40B4-BE49-F238E27FC236}">
-                <a16:creationId xmlns:a16="http://schemas.microsoft.com/office/drawing/2014/main" id="{C12A0755-1B63-4231-F20D-871920590F8E}"/>
-              </a:ext>
-            </a:extLst>
-          </p:cNvPr>
-          <p:cNvSpPr txBox="1">
-            <a:spLocks noGrp="1" noRot="1" noMove="1" noResize="1" noEditPoints="1" noAdjustHandles="1" noChangeArrowheads="1" noChangeShapeType="1"/>
-          </p:cNvSpPr>
-          <p:nvPr/>
-        </p:nvSpPr>
-        <p:spPr>
-          <a:xfrm>
-            <a:off x="3865818" y="646656"/>
-            <a:ext cx="6561668" cy="830997"/>
-          </a:xfrm>
-          <a:prstGeom prst="rect">
-            <a:avLst/>
-          </a:prstGeom>
-          <a:noFill/>
-        </p:spPr>
-        <p:txBody>
-          <a:bodyPr wrap="none" rtlCol="0">
-            <a:spAutoFit/>
-          </a:bodyPr>
-          <a:lstStyle/>
-          <a:p>
-            <a:r>
-              <a:rPr lang="vi-VN" sz="4800" spc="-84">
-                <a:solidFill>
-                  <a:schemeClr val="bg1"/>
-                </a:solidFill>
-              </a:rPr>
-              <a:t>Quá trình làm sản phẩm</a:t>
-            </a:r>
-            <a:endParaRPr lang="en-US" sz="4800" spc="-84">
-              <a:solidFill>
-                <a:schemeClr val="bg1"/>
-              </a:solidFill>
-            </a:endParaRPr>
-          </a:p>
-        </p:txBody>
-      </p:sp>
       <p:sp>
         <p:nvSpPr>
           <p:cNvPr id="7" name="!Oval 6">
@@ -15289,13 +15204,13 @@
           <p:nvPr/>
         </p:nvPicPr>
         <p:blipFill>
-          <a:blip r:embed="rId43">
+          <a:blip r:embed="rId41">
             <a:extLst>
               <a:ext uri="{28A0092B-C50C-407E-A947-70E740481C1C}">
                 <a14:useLocalDpi xmlns:a14="http://schemas.microsoft.com/office/drawing/2010/main" val="0"/>
               </a:ext>
               <a:ext uri="{96DAC541-7B7A-43D3-8B79-37D633B846F1}">
-                <asvg:svgBlip xmlns:asvg="http://schemas.microsoft.com/office/drawing/2016/SVG/main" r:embed="rId44"/>
+                <asvg:svgBlip xmlns:asvg="http://schemas.microsoft.com/office/drawing/2016/SVG/main" r:embed="rId42"/>
               </a:ext>
             </a:extLst>
           </a:blip>
@@ -15328,13 +15243,13 @@
           <p:nvPr/>
         </p:nvPicPr>
         <p:blipFill>
-          <a:blip r:embed="rId45">
+          <a:blip r:embed="rId43">
             <a:extLst>
               <a:ext uri="{28A0092B-C50C-407E-A947-70E740481C1C}">
                 <a14:useLocalDpi xmlns:a14="http://schemas.microsoft.com/office/drawing/2010/main" val="0"/>
               </a:ext>
               <a:ext uri="{96DAC541-7B7A-43D3-8B79-37D633B846F1}">
-                <asvg:svgBlip xmlns:asvg="http://schemas.microsoft.com/office/drawing/2016/SVG/main" r:embed="rId46"/>
+                <asvg:svgBlip xmlns:asvg="http://schemas.microsoft.com/office/drawing/2016/SVG/main" r:embed="rId44"/>
               </a:ext>
             </a:extLst>
           </a:blip>
@@ -15367,13 +15282,13 @@
           <p:nvPr/>
         </p:nvPicPr>
         <p:blipFill>
-          <a:blip r:embed="rId47">
+          <a:blip r:embed="rId45">
             <a:extLst>
               <a:ext uri="{28A0092B-C50C-407E-A947-70E740481C1C}">
                 <a14:useLocalDpi xmlns:a14="http://schemas.microsoft.com/office/drawing/2010/main" val="0"/>
               </a:ext>
               <a:ext uri="{96DAC541-7B7A-43D3-8B79-37D633B846F1}">
-                <asvg:svgBlip xmlns:asvg="http://schemas.microsoft.com/office/drawing/2016/SVG/main" r:embed="rId48"/>
+                <asvg:svgBlip xmlns:asvg="http://schemas.microsoft.com/office/drawing/2016/SVG/main" r:embed="rId46"/>
               </a:ext>
             </a:extLst>
           </a:blip>
@@ -15406,13 +15321,13 @@
           <p:nvPr/>
         </p:nvPicPr>
         <p:blipFill>
-          <a:blip r:embed="rId49">
+          <a:blip r:embed="rId47">
             <a:extLst>
               <a:ext uri="{28A0092B-C50C-407E-A947-70E740481C1C}">
                 <a14:useLocalDpi xmlns:a14="http://schemas.microsoft.com/office/drawing/2010/main" val="0"/>
               </a:ext>
               <a:ext uri="{96DAC541-7B7A-43D3-8B79-37D633B846F1}">
-                <asvg:svgBlip xmlns:asvg="http://schemas.microsoft.com/office/drawing/2016/SVG/main" r:embed="rId50"/>
+                <asvg:svgBlip xmlns:asvg="http://schemas.microsoft.com/office/drawing/2016/SVG/main" r:embed="rId48"/>
               </a:ext>
             </a:extLst>
           </a:blip>
@@ -15430,6 +15345,91 @@
           </a:prstGeom>
         </p:spPr>
       </p:pic>
+      <p:pic>
+        <p:nvPicPr>
+          <p:cNvPr id="6" name="!Đồ họa 60" descr="Lightbulb with solid fill">
+            <a:extLst>
+              <a:ext uri="{FF2B5EF4-FFF2-40B4-BE49-F238E27FC236}">
+                <a16:creationId xmlns:a16="http://schemas.microsoft.com/office/drawing/2014/main" id="{B11D13D9-C72C-A5AC-0562-E689EB91007F}"/>
+              </a:ext>
+            </a:extLst>
+          </p:cNvPr>
+          <p:cNvPicPr>
+            <a:picLocks noChangeAspect="1"/>
+          </p:cNvPicPr>
+          <p:nvPr/>
+        </p:nvPicPr>
+        <p:blipFill>
+          <a:blip r:embed="rId49">
+            <a:extLst>
+              <a:ext uri="{28A0092B-C50C-407E-A947-70E740481C1C}">
+                <a14:useLocalDpi xmlns:a14="http://schemas.microsoft.com/office/drawing/2010/main" val="0"/>
+              </a:ext>
+              <a:ext uri="{96DAC541-7B7A-43D3-8B79-37D633B846F1}">
+                <asvg:svgBlip xmlns:asvg="http://schemas.microsoft.com/office/drawing/2016/SVG/main" r:embed="rId50"/>
+              </a:ext>
+            </a:extLst>
+          </a:blip>
+          <a:stretch>
+            <a:fillRect/>
+          </a:stretch>
+        </p:blipFill>
+        <p:spPr>
+          <a:xfrm>
+            <a:off x="2867599" y="1296516"/>
+            <a:ext cx="1011732" cy="1011732"/>
+          </a:xfrm>
+          <a:prstGeom prst="rect">
+            <a:avLst/>
+          </a:prstGeom>
+        </p:spPr>
+      </p:pic>
+      <p:sp>
+        <p:nvSpPr>
+          <p:cNvPr id="8" name="!TextBox 11">
+            <a:extLst>
+              <a:ext uri="{FF2B5EF4-FFF2-40B4-BE49-F238E27FC236}">
+                <a16:creationId xmlns:a16="http://schemas.microsoft.com/office/drawing/2014/main" id="{D3CEC36A-CED6-1DB8-6B84-BBCBBF0720B1}"/>
+              </a:ext>
+            </a:extLst>
+          </p:cNvPr>
+          <p:cNvSpPr txBox="1">
+            <a:spLocks/>
+          </p:cNvSpPr>
+          <p:nvPr/>
+        </p:nvSpPr>
+        <p:spPr>
+          <a:xfrm>
+            <a:off x="3865818" y="1386884"/>
+            <a:ext cx="6561668" cy="830997"/>
+          </a:xfrm>
+          <a:prstGeom prst="rect">
+            <a:avLst/>
+          </a:prstGeom>
+          <a:noFill/>
+        </p:spPr>
+        <p:txBody>
+          <a:bodyPr wrap="none" rtlCol="0">
+            <a:spAutoFit/>
+          </a:bodyPr>
+          <a:lstStyle/>
+          <a:p>
+            <a:r>
+              <a:rPr lang="vi-VN" sz="4800" spc="-84">
+                <a:solidFill>
+                  <a:schemeClr val="bg1"/>
+                </a:solidFill>
+              </a:rPr>
+              <a:t>Quá trình làm sản phẩm</a:t>
+            </a:r>
+            <a:endParaRPr lang="en-US" sz="4800" spc="-84">
+              <a:solidFill>
+                <a:schemeClr val="bg1"/>
+              </a:solidFill>
+            </a:endParaRPr>
+          </a:p>
+        </p:txBody>
+      </p:sp>
     </p:spTree>
     <p:extLst>
       <p:ext uri="{BB962C8B-B14F-4D97-AF65-F5344CB8AC3E}">
@@ -15440,18 +15440,9 @@
   <p:clrMapOvr>
     <a:masterClrMapping/>
   </p:clrMapOvr>
-  <mc:AlternateContent xmlns:mc="http://schemas.openxmlformats.org/markup-compatibility/2006">
-    <mc:Choice xmlns:p14="http://schemas.microsoft.com/office/powerpoint/2010/main" Requires="p14">
-      <p:transition spd="med" p14:dur="700">
-        <p:fade/>
-      </p:transition>
-    </mc:Choice>
-    <mc:Fallback>
-      <p:transition spd="med">
-        <p:fade/>
-      </p:transition>
-    </mc:Fallback>
-  </mc:AlternateContent>
+  <p:transition spd="slow">
+    <p:fade/>
+  </p:transition>
 </p:sld>
 </file>
 
@@ -17595,91 +17586,6 @@
           </a:prstGeom>
         </p:spPr>
       </p:pic>
-      <p:pic>
-        <p:nvPicPr>
-          <p:cNvPr id="2" name="!Đồ họa 60" descr="Lightbulb with solid fill">
-            <a:extLst>
-              <a:ext uri="{FF2B5EF4-FFF2-40B4-BE49-F238E27FC236}">
-                <a16:creationId xmlns:a16="http://schemas.microsoft.com/office/drawing/2014/main" id="{93C0F410-D468-43DF-FCBA-D7CDB9F16B60}"/>
-              </a:ext>
-            </a:extLst>
-          </p:cNvPr>
-          <p:cNvPicPr>
-            <a:picLocks noGrp="1" noRot="1" noChangeAspect="1" noMove="1" noResize="1" noEditPoints="1" noAdjustHandles="1" noChangeArrowheads="1" noChangeShapeType="1" noCrop="1"/>
-          </p:cNvPicPr>
-          <p:nvPr/>
-        </p:nvPicPr>
-        <p:blipFill>
-          <a:blip r:embed="rId41">
-            <a:extLst>
-              <a:ext uri="{28A0092B-C50C-407E-A947-70E740481C1C}">
-                <a14:useLocalDpi xmlns:a14="http://schemas.microsoft.com/office/drawing/2010/main" val="0"/>
-              </a:ext>
-              <a:ext uri="{96DAC541-7B7A-43D3-8B79-37D633B846F1}">
-                <asvg:svgBlip xmlns:asvg="http://schemas.microsoft.com/office/drawing/2016/SVG/main" r:embed="rId42"/>
-              </a:ext>
-            </a:extLst>
-          </a:blip>
-          <a:stretch>
-            <a:fillRect/>
-          </a:stretch>
-        </p:blipFill>
-        <p:spPr>
-          <a:xfrm>
-            <a:off x="2867599" y="556288"/>
-            <a:ext cx="1011732" cy="1011732"/>
-          </a:xfrm>
-          <a:prstGeom prst="rect">
-            <a:avLst/>
-          </a:prstGeom>
-        </p:spPr>
-      </p:pic>
-      <p:sp>
-        <p:nvSpPr>
-          <p:cNvPr id="4" name="!TextBox 11">
-            <a:extLst>
-              <a:ext uri="{FF2B5EF4-FFF2-40B4-BE49-F238E27FC236}">
-                <a16:creationId xmlns:a16="http://schemas.microsoft.com/office/drawing/2014/main" id="{C12A0755-1B63-4231-F20D-871920590F8E}"/>
-              </a:ext>
-            </a:extLst>
-          </p:cNvPr>
-          <p:cNvSpPr txBox="1">
-            <a:spLocks noGrp="1" noRot="1" noMove="1" noResize="1" noEditPoints="1" noAdjustHandles="1" noChangeArrowheads="1" noChangeShapeType="1"/>
-          </p:cNvSpPr>
-          <p:nvPr/>
-        </p:nvSpPr>
-        <p:spPr>
-          <a:xfrm>
-            <a:off x="3865818" y="646656"/>
-            <a:ext cx="6561668" cy="830997"/>
-          </a:xfrm>
-          <a:prstGeom prst="rect">
-            <a:avLst/>
-          </a:prstGeom>
-          <a:noFill/>
-        </p:spPr>
-        <p:txBody>
-          <a:bodyPr wrap="none" rtlCol="0">
-            <a:spAutoFit/>
-          </a:bodyPr>
-          <a:lstStyle/>
-          <a:p>
-            <a:r>
-              <a:rPr lang="vi-VN" sz="4800" spc="-84">
-                <a:solidFill>
-                  <a:schemeClr val="bg1"/>
-                </a:solidFill>
-              </a:rPr>
-              <a:t>Quá trình làm sản phẩm</a:t>
-            </a:r>
-            <a:endParaRPr lang="en-US" sz="4800" spc="-84">
-              <a:solidFill>
-                <a:schemeClr val="bg1"/>
-              </a:solidFill>
-            </a:endParaRPr>
-          </a:p>
-        </p:txBody>
-      </p:sp>
       <p:sp>
         <p:nvSpPr>
           <p:cNvPr id="7" name="!Oval 6">
@@ -17963,13 +17869,13 @@
           <p:nvPr/>
         </p:nvPicPr>
         <p:blipFill>
-          <a:blip r:embed="rId43">
+          <a:blip r:embed="rId41">
             <a:extLst>
               <a:ext uri="{28A0092B-C50C-407E-A947-70E740481C1C}">
                 <a14:useLocalDpi xmlns:a14="http://schemas.microsoft.com/office/drawing/2010/main" val="0"/>
               </a:ext>
               <a:ext uri="{96DAC541-7B7A-43D3-8B79-37D633B846F1}">
-                <asvg:svgBlip xmlns:asvg="http://schemas.microsoft.com/office/drawing/2016/SVG/main" r:embed="rId44"/>
+                <asvg:svgBlip xmlns:asvg="http://schemas.microsoft.com/office/drawing/2016/SVG/main" r:embed="rId42"/>
               </a:ext>
             </a:extLst>
           </a:blip>
@@ -18002,13 +17908,13 @@
           <p:nvPr/>
         </p:nvPicPr>
         <p:blipFill>
-          <a:blip r:embed="rId45">
+          <a:blip r:embed="rId43">
             <a:extLst>
               <a:ext uri="{28A0092B-C50C-407E-A947-70E740481C1C}">
                 <a14:useLocalDpi xmlns:a14="http://schemas.microsoft.com/office/drawing/2010/main" val="0"/>
               </a:ext>
               <a:ext uri="{96DAC541-7B7A-43D3-8B79-37D633B846F1}">
-                <asvg:svgBlip xmlns:asvg="http://schemas.microsoft.com/office/drawing/2016/SVG/main" r:embed="rId46"/>
+                <asvg:svgBlip xmlns:asvg="http://schemas.microsoft.com/office/drawing/2016/SVG/main" r:embed="rId44"/>
               </a:ext>
             </a:extLst>
           </a:blip>
@@ -18041,13 +17947,13 @@
           <p:nvPr/>
         </p:nvPicPr>
         <p:blipFill>
-          <a:blip r:embed="rId47">
+          <a:blip r:embed="rId45">
             <a:extLst>
               <a:ext uri="{28A0092B-C50C-407E-A947-70E740481C1C}">
                 <a14:useLocalDpi xmlns:a14="http://schemas.microsoft.com/office/drawing/2010/main" val="0"/>
               </a:ext>
               <a:ext uri="{96DAC541-7B7A-43D3-8B79-37D633B846F1}">
-                <asvg:svgBlip xmlns:asvg="http://schemas.microsoft.com/office/drawing/2016/SVG/main" r:embed="rId48"/>
+                <asvg:svgBlip xmlns:asvg="http://schemas.microsoft.com/office/drawing/2016/SVG/main" r:embed="rId46"/>
               </a:ext>
             </a:extLst>
           </a:blip>
@@ -18080,13 +17986,13 @@
           <p:nvPr/>
         </p:nvPicPr>
         <p:blipFill>
-          <a:blip r:embed="rId49">
+          <a:blip r:embed="rId47">
             <a:extLst>
               <a:ext uri="{28A0092B-C50C-407E-A947-70E740481C1C}">
                 <a14:useLocalDpi xmlns:a14="http://schemas.microsoft.com/office/drawing/2010/main" val="0"/>
               </a:ext>
               <a:ext uri="{96DAC541-7B7A-43D3-8B79-37D633B846F1}">
-                <asvg:svgBlip xmlns:asvg="http://schemas.microsoft.com/office/drawing/2016/SVG/main" r:embed="rId50"/>
+                <asvg:svgBlip xmlns:asvg="http://schemas.microsoft.com/office/drawing/2016/SVG/main" r:embed="rId48"/>
               </a:ext>
             </a:extLst>
           </a:blip>
@@ -18104,6 +18010,91 @@
           </a:prstGeom>
         </p:spPr>
       </p:pic>
+      <p:pic>
+        <p:nvPicPr>
+          <p:cNvPr id="8" name="!Đồ họa 60" descr="Lightbulb with solid fill">
+            <a:extLst>
+              <a:ext uri="{FF2B5EF4-FFF2-40B4-BE49-F238E27FC236}">
+                <a16:creationId xmlns:a16="http://schemas.microsoft.com/office/drawing/2014/main" id="{966F8B66-AB03-D1C9-7714-79A2E869CBAB}"/>
+              </a:ext>
+            </a:extLst>
+          </p:cNvPr>
+          <p:cNvPicPr>
+            <a:picLocks noChangeAspect="1"/>
+          </p:cNvPicPr>
+          <p:nvPr/>
+        </p:nvPicPr>
+        <p:blipFill>
+          <a:blip r:embed="rId49">
+            <a:extLst>
+              <a:ext uri="{28A0092B-C50C-407E-A947-70E740481C1C}">
+                <a14:useLocalDpi xmlns:a14="http://schemas.microsoft.com/office/drawing/2010/main" val="0"/>
+              </a:ext>
+              <a:ext uri="{96DAC541-7B7A-43D3-8B79-37D633B846F1}">
+                <asvg:svgBlip xmlns:asvg="http://schemas.microsoft.com/office/drawing/2016/SVG/main" r:embed="rId50"/>
+              </a:ext>
+            </a:extLst>
+          </a:blip>
+          <a:stretch>
+            <a:fillRect/>
+          </a:stretch>
+        </p:blipFill>
+        <p:spPr>
+          <a:xfrm>
+            <a:off x="2867599" y="1296516"/>
+            <a:ext cx="1011732" cy="1011732"/>
+          </a:xfrm>
+          <a:prstGeom prst="rect">
+            <a:avLst/>
+          </a:prstGeom>
+        </p:spPr>
+      </p:pic>
+      <p:sp>
+        <p:nvSpPr>
+          <p:cNvPr id="10" name="!TextBox 11">
+            <a:extLst>
+              <a:ext uri="{FF2B5EF4-FFF2-40B4-BE49-F238E27FC236}">
+                <a16:creationId xmlns:a16="http://schemas.microsoft.com/office/drawing/2014/main" id="{9E40B2D4-FAAE-2D97-7538-5457A4B1603E}"/>
+              </a:ext>
+            </a:extLst>
+          </p:cNvPr>
+          <p:cNvSpPr txBox="1">
+            <a:spLocks/>
+          </p:cNvSpPr>
+          <p:nvPr/>
+        </p:nvSpPr>
+        <p:spPr>
+          <a:xfrm>
+            <a:off x="3865818" y="1386884"/>
+            <a:ext cx="6561668" cy="830997"/>
+          </a:xfrm>
+          <a:prstGeom prst="rect">
+            <a:avLst/>
+          </a:prstGeom>
+          <a:noFill/>
+        </p:spPr>
+        <p:txBody>
+          <a:bodyPr wrap="none" rtlCol="0">
+            <a:spAutoFit/>
+          </a:bodyPr>
+          <a:lstStyle/>
+          <a:p>
+            <a:r>
+              <a:rPr lang="vi-VN" sz="4800" spc="-84">
+                <a:solidFill>
+                  <a:schemeClr val="bg1"/>
+                </a:solidFill>
+              </a:rPr>
+              <a:t>Quá trình làm sản phẩm</a:t>
+            </a:r>
+            <a:endParaRPr lang="en-US" sz="4800" spc="-84">
+              <a:solidFill>
+                <a:schemeClr val="bg1"/>
+              </a:solidFill>
+            </a:endParaRPr>
+          </a:p>
+        </p:txBody>
+      </p:sp>
     </p:spTree>
     <p:extLst>
       <p:ext uri="{BB962C8B-B14F-4D97-AF65-F5344CB8AC3E}">
@@ -18114,18 +18105,9 @@
   <p:clrMapOvr>
     <a:masterClrMapping/>
   </p:clrMapOvr>
-  <mc:AlternateContent xmlns:mc="http://schemas.openxmlformats.org/markup-compatibility/2006">
-    <mc:Choice xmlns:p14="http://schemas.microsoft.com/office/powerpoint/2010/main" Requires="p14">
-      <p:transition spd="med" p14:dur="700">
-        <p:fade/>
-      </p:transition>
-    </mc:Choice>
-    <mc:Fallback>
-      <p:transition spd="med">
-        <p:fade/>
-      </p:transition>
-    </mc:Fallback>
-  </mc:AlternateContent>
+  <p:transition spd="slow">
+    <p:fade/>
+  </p:transition>
 </p:sld>
 </file>
 
@@ -20269,91 +20251,6 @@
           </a:prstGeom>
         </p:spPr>
       </p:pic>
-      <p:pic>
-        <p:nvPicPr>
-          <p:cNvPr id="2" name="!Đồ họa 60" descr="Lightbulb with solid fill">
-            <a:extLst>
-              <a:ext uri="{FF2B5EF4-FFF2-40B4-BE49-F238E27FC236}">
-                <a16:creationId xmlns:a16="http://schemas.microsoft.com/office/drawing/2014/main" id="{93C0F410-D468-43DF-FCBA-D7CDB9F16B60}"/>
-              </a:ext>
-            </a:extLst>
-          </p:cNvPr>
-          <p:cNvPicPr>
-            <a:picLocks noGrp="1" noRot="1" noChangeAspect="1" noMove="1" noResize="1" noEditPoints="1" noAdjustHandles="1" noChangeArrowheads="1" noChangeShapeType="1" noCrop="1"/>
-          </p:cNvPicPr>
-          <p:nvPr/>
-        </p:nvPicPr>
-        <p:blipFill>
-          <a:blip r:embed="rId41">
-            <a:extLst>
-              <a:ext uri="{28A0092B-C50C-407E-A947-70E740481C1C}">
-                <a14:useLocalDpi xmlns:a14="http://schemas.microsoft.com/office/drawing/2010/main" val="0"/>
-              </a:ext>
-              <a:ext uri="{96DAC541-7B7A-43D3-8B79-37D633B846F1}">
-                <asvg:svgBlip xmlns:asvg="http://schemas.microsoft.com/office/drawing/2016/SVG/main" r:embed="rId42"/>
-              </a:ext>
-            </a:extLst>
-          </a:blip>
-          <a:stretch>
-            <a:fillRect/>
-          </a:stretch>
-        </p:blipFill>
-        <p:spPr>
-          <a:xfrm>
-            <a:off x="2867599" y="556288"/>
-            <a:ext cx="1011732" cy="1011732"/>
-          </a:xfrm>
-          <a:prstGeom prst="rect">
-            <a:avLst/>
-          </a:prstGeom>
-        </p:spPr>
-      </p:pic>
-      <p:sp>
-        <p:nvSpPr>
-          <p:cNvPr id="4" name="!TextBox 11">
-            <a:extLst>
-              <a:ext uri="{FF2B5EF4-FFF2-40B4-BE49-F238E27FC236}">
-                <a16:creationId xmlns:a16="http://schemas.microsoft.com/office/drawing/2014/main" id="{C12A0755-1B63-4231-F20D-871920590F8E}"/>
-              </a:ext>
-            </a:extLst>
-          </p:cNvPr>
-          <p:cNvSpPr txBox="1">
-            <a:spLocks noGrp="1" noRot="1" noMove="1" noResize="1" noEditPoints="1" noAdjustHandles="1" noChangeArrowheads="1" noChangeShapeType="1"/>
-          </p:cNvSpPr>
-          <p:nvPr/>
-        </p:nvSpPr>
-        <p:spPr>
-          <a:xfrm>
-            <a:off x="3865818" y="646656"/>
-            <a:ext cx="6561668" cy="830997"/>
-          </a:xfrm>
-          <a:prstGeom prst="rect">
-            <a:avLst/>
-          </a:prstGeom>
-          <a:noFill/>
-        </p:spPr>
-        <p:txBody>
-          <a:bodyPr wrap="none" rtlCol="0">
-            <a:spAutoFit/>
-          </a:bodyPr>
-          <a:lstStyle/>
-          <a:p>
-            <a:r>
-              <a:rPr lang="vi-VN" sz="4800" spc="-84">
-                <a:solidFill>
-                  <a:schemeClr val="bg1"/>
-                </a:solidFill>
-              </a:rPr>
-              <a:t>Quá trình làm sản phẩm</a:t>
-            </a:r>
-            <a:endParaRPr lang="en-US" sz="4800" spc="-84">
-              <a:solidFill>
-                <a:schemeClr val="bg1"/>
-              </a:solidFill>
-            </a:endParaRPr>
-          </a:p>
-        </p:txBody>
-      </p:sp>
       <p:sp>
         <p:nvSpPr>
           <p:cNvPr id="7" name="!Oval 6">
@@ -20630,13 +20527,13 @@
           <p:nvPr/>
         </p:nvPicPr>
         <p:blipFill>
-          <a:blip r:embed="rId43">
+          <a:blip r:embed="rId41">
             <a:extLst>
               <a:ext uri="{28A0092B-C50C-407E-A947-70E740481C1C}">
                 <a14:useLocalDpi xmlns:a14="http://schemas.microsoft.com/office/drawing/2010/main" val="0"/>
               </a:ext>
               <a:ext uri="{96DAC541-7B7A-43D3-8B79-37D633B846F1}">
-                <asvg:svgBlip xmlns:asvg="http://schemas.microsoft.com/office/drawing/2016/SVG/main" r:embed="rId44"/>
+                <asvg:svgBlip xmlns:asvg="http://schemas.microsoft.com/office/drawing/2016/SVG/main" r:embed="rId42"/>
               </a:ext>
             </a:extLst>
           </a:blip>
@@ -20669,13 +20566,13 @@
           <p:nvPr/>
         </p:nvPicPr>
         <p:blipFill>
-          <a:blip r:embed="rId45">
+          <a:blip r:embed="rId43">
             <a:extLst>
               <a:ext uri="{28A0092B-C50C-407E-A947-70E740481C1C}">
                 <a14:useLocalDpi xmlns:a14="http://schemas.microsoft.com/office/drawing/2010/main" val="0"/>
               </a:ext>
               <a:ext uri="{96DAC541-7B7A-43D3-8B79-37D633B846F1}">
-                <asvg:svgBlip xmlns:asvg="http://schemas.microsoft.com/office/drawing/2016/SVG/main" r:embed="rId46"/>
+                <asvg:svgBlip xmlns:asvg="http://schemas.microsoft.com/office/drawing/2016/SVG/main" r:embed="rId44"/>
               </a:ext>
             </a:extLst>
           </a:blip>
@@ -20708,13 +20605,13 @@
           <p:nvPr/>
         </p:nvPicPr>
         <p:blipFill>
-          <a:blip r:embed="rId47">
+          <a:blip r:embed="rId45">
             <a:extLst>
               <a:ext uri="{28A0092B-C50C-407E-A947-70E740481C1C}">
                 <a14:useLocalDpi xmlns:a14="http://schemas.microsoft.com/office/drawing/2010/main" val="0"/>
               </a:ext>
               <a:ext uri="{96DAC541-7B7A-43D3-8B79-37D633B846F1}">
-                <asvg:svgBlip xmlns:asvg="http://schemas.microsoft.com/office/drawing/2016/SVG/main" r:embed="rId48"/>
+                <asvg:svgBlip xmlns:asvg="http://schemas.microsoft.com/office/drawing/2016/SVG/main" r:embed="rId46"/>
               </a:ext>
             </a:extLst>
           </a:blip>
@@ -20747,13 +20644,13 @@
           <p:nvPr/>
         </p:nvPicPr>
         <p:blipFill>
-          <a:blip r:embed="rId49">
+          <a:blip r:embed="rId47">
             <a:extLst>
               <a:ext uri="{28A0092B-C50C-407E-A947-70E740481C1C}">
                 <a14:useLocalDpi xmlns:a14="http://schemas.microsoft.com/office/drawing/2010/main" val="0"/>
               </a:ext>
               <a:ext uri="{96DAC541-7B7A-43D3-8B79-37D633B846F1}">
-                <asvg:svgBlip xmlns:asvg="http://schemas.microsoft.com/office/drawing/2016/SVG/main" r:embed="rId50"/>
+                <asvg:svgBlip xmlns:asvg="http://schemas.microsoft.com/office/drawing/2016/SVG/main" r:embed="rId48"/>
               </a:ext>
             </a:extLst>
           </a:blip>
@@ -20771,6 +20668,91 @@
           </a:prstGeom>
         </p:spPr>
       </p:pic>
+      <p:pic>
+        <p:nvPicPr>
+          <p:cNvPr id="8" name="!Đồ họa 60" descr="Lightbulb with solid fill">
+            <a:extLst>
+              <a:ext uri="{FF2B5EF4-FFF2-40B4-BE49-F238E27FC236}">
+                <a16:creationId xmlns:a16="http://schemas.microsoft.com/office/drawing/2014/main" id="{6F209262-A5A3-0E6A-5D4E-DE6FE75DE678}"/>
+              </a:ext>
+            </a:extLst>
+          </p:cNvPr>
+          <p:cNvPicPr>
+            <a:picLocks noChangeAspect="1"/>
+          </p:cNvPicPr>
+          <p:nvPr/>
+        </p:nvPicPr>
+        <p:blipFill>
+          <a:blip r:embed="rId49">
+            <a:extLst>
+              <a:ext uri="{28A0092B-C50C-407E-A947-70E740481C1C}">
+                <a14:useLocalDpi xmlns:a14="http://schemas.microsoft.com/office/drawing/2010/main" val="0"/>
+              </a:ext>
+              <a:ext uri="{96DAC541-7B7A-43D3-8B79-37D633B846F1}">
+                <asvg:svgBlip xmlns:asvg="http://schemas.microsoft.com/office/drawing/2016/SVG/main" r:embed="rId50"/>
+              </a:ext>
+            </a:extLst>
+          </a:blip>
+          <a:stretch>
+            <a:fillRect/>
+          </a:stretch>
+        </p:blipFill>
+        <p:spPr>
+          <a:xfrm>
+            <a:off x="2867599" y="1296516"/>
+            <a:ext cx="1011732" cy="1011732"/>
+          </a:xfrm>
+          <a:prstGeom prst="rect">
+            <a:avLst/>
+          </a:prstGeom>
+        </p:spPr>
+      </p:pic>
+      <p:sp>
+        <p:nvSpPr>
+          <p:cNvPr id="10" name="!TextBox 11">
+            <a:extLst>
+              <a:ext uri="{FF2B5EF4-FFF2-40B4-BE49-F238E27FC236}">
+                <a16:creationId xmlns:a16="http://schemas.microsoft.com/office/drawing/2014/main" id="{F34F7EC7-038C-2B8C-646B-C7CC6C2A2202}"/>
+              </a:ext>
+            </a:extLst>
+          </p:cNvPr>
+          <p:cNvSpPr txBox="1">
+            <a:spLocks/>
+          </p:cNvSpPr>
+          <p:nvPr/>
+        </p:nvSpPr>
+        <p:spPr>
+          <a:xfrm>
+            <a:off x="3865818" y="1386884"/>
+            <a:ext cx="6561668" cy="830997"/>
+          </a:xfrm>
+          <a:prstGeom prst="rect">
+            <a:avLst/>
+          </a:prstGeom>
+          <a:noFill/>
+        </p:spPr>
+        <p:txBody>
+          <a:bodyPr wrap="none" rtlCol="0">
+            <a:spAutoFit/>
+          </a:bodyPr>
+          <a:lstStyle/>
+          <a:p>
+            <a:r>
+              <a:rPr lang="vi-VN" sz="4800" spc="-84">
+                <a:solidFill>
+                  <a:schemeClr val="bg1"/>
+                </a:solidFill>
+              </a:rPr>
+              <a:t>Quá trình làm sản phẩm</a:t>
+            </a:r>
+            <a:endParaRPr lang="en-US" sz="4800" spc="-84">
+              <a:solidFill>
+                <a:schemeClr val="bg1"/>
+              </a:solidFill>
+            </a:endParaRPr>
+          </a:p>
+        </p:txBody>
+      </p:sp>
     </p:spTree>
     <p:extLst>
       <p:ext uri="{BB962C8B-B14F-4D97-AF65-F5344CB8AC3E}">
@@ -20781,18 +20763,9 @@
   <p:clrMapOvr>
     <a:masterClrMapping/>
   </p:clrMapOvr>
-  <mc:AlternateContent xmlns:mc="http://schemas.openxmlformats.org/markup-compatibility/2006">
-    <mc:Choice xmlns:p14="http://schemas.microsoft.com/office/powerpoint/2010/main" Requires="p14">
-      <p:transition spd="med" p14:dur="700">
-        <p:fade/>
-      </p:transition>
-    </mc:Choice>
-    <mc:Fallback>
-      <p:transition spd="med">
-        <p:fade/>
-      </p:transition>
-    </mc:Fallback>
-  </mc:AlternateContent>
+  <p:transition spd="slow">
+    <p:fade/>
+  </p:transition>
 </p:sld>
 </file>
 
@@ -22987,13 +22960,13 @@
   <p:clrMapOvr>
     <a:masterClrMapping/>
   </p:clrMapOvr>
-  <mc:AlternateContent xmlns:mc="http://schemas.openxmlformats.org/markup-compatibility/2006" xmlns:p159="http://schemas.microsoft.com/office/powerpoint/2015/09/main">
-    <mc:Choice Requires="p159">
+  <mc:AlternateContent xmlns:mc="http://schemas.openxmlformats.org/markup-compatibility/2006">
+    <mc:Choice xmlns:p159="http://schemas.microsoft.com/office/powerpoint/2015/09/main" Requires="p159">
       <p:transition spd="slow">
         <p159:morph option="byObject"/>
       </p:transition>
     </mc:Choice>
-    <mc:Fallback xmlns="">
+    <mc:Fallback>
       <p:transition spd="slow">
         <p:fade/>
       </p:transition>
@@ -25287,13 +25260,13 @@
   <p:clrMapOvr>
     <a:masterClrMapping/>
   </p:clrMapOvr>
-  <mc:AlternateContent xmlns:mc="http://schemas.openxmlformats.org/markup-compatibility/2006" xmlns:p159="http://schemas.microsoft.com/office/powerpoint/2015/09/main">
-    <mc:Choice Requires="p159">
+  <mc:AlternateContent xmlns:mc="http://schemas.openxmlformats.org/markup-compatibility/2006">
+    <mc:Choice xmlns:p159="http://schemas.microsoft.com/office/powerpoint/2015/09/main" Requires="p159">
       <p:transition spd="slow">
         <p159:morph option="byObject"/>
       </p:transition>
     </mc:Choice>
-    <mc:Fallback xmlns="">
+    <mc:Fallback>
       <p:transition spd="slow">
         <p:fade/>
       </p:transition>
@@ -27563,13 +27536,13 @@
   <p:clrMapOvr>
     <a:masterClrMapping/>
   </p:clrMapOvr>
-  <mc:AlternateContent xmlns:mc="http://schemas.openxmlformats.org/markup-compatibility/2006" xmlns:p159="http://schemas.microsoft.com/office/powerpoint/2015/09/main">
-    <mc:Choice Requires="p159">
+  <mc:AlternateContent xmlns:mc="http://schemas.openxmlformats.org/markup-compatibility/2006">
+    <mc:Choice xmlns:p159="http://schemas.microsoft.com/office/powerpoint/2015/09/main" Requires="p159">
       <p:transition spd="slow">
         <p159:morph option="byObject"/>
       </p:transition>
     </mc:Choice>
-    <mc:Fallback xmlns="">
+    <mc:Fallback>
       <p:transition spd="slow">
         <p:fade/>
       </p:transition>
@@ -29789,13 +29762,13 @@
   <p:clrMapOvr>
     <a:masterClrMapping/>
   </p:clrMapOvr>
-  <mc:AlternateContent xmlns:mc="http://schemas.openxmlformats.org/markup-compatibility/2006" xmlns:p159="http://schemas.microsoft.com/office/powerpoint/2015/09/main">
-    <mc:Choice Requires="p159">
+  <mc:AlternateContent xmlns:mc="http://schemas.openxmlformats.org/markup-compatibility/2006">
+    <mc:Choice xmlns:p159="http://schemas.microsoft.com/office/powerpoint/2015/09/main" Requires="p159">
       <p:transition spd="slow">
         <p159:morph option="byObject"/>
       </p:transition>
     </mc:Choice>
-    <mc:Fallback xmlns="">
+    <mc:Fallback>
       <p:transition spd="slow">
         <p:fade/>
       </p:transition>
@@ -31999,13 +31972,13 @@
   <p:clrMapOvr>
     <a:masterClrMapping/>
   </p:clrMapOvr>
-  <mc:AlternateContent xmlns:mc="http://schemas.openxmlformats.org/markup-compatibility/2006" xmlns:p159="http://schemas.microsoft.com/office/powerpoint/2015/09/main">
-    <mc:Choice Requires="p159">
+  <mc:AlternateContent xmlns:mc="http://schemas.openxmlformats.org/markup-compatibility/2006">
+    <mc:Choice xmlns:p159="http://schemas.microsoft.com/office/powerpoint/2015/09/main" Requires="p159">
       <p:transition spd="slow">
         <p159:morph option="byObject"/>
       </p:transition>
     </mc:Choice>
-    <mc:Fallback xmlns="">
+    <mc:Fallback>
       <p:transition spd="slow">
         <p:fade/>
       </p:transition>
@@ -34463,13 +34436,13 @@
   <p:clrMapOvr>
     <a:masterClrMapping/>
   </p:clrMapOvr>
-  <mc:AlternateContent xmlns:mc="http://schemas.openxmlformats.org/markup-compatibility/2006" xmlns:p159="http://schemas.microsoft.com/office/powerpoint/2015/09/main">
-    <mc:Choice Requires="p159">
+  <mc:AlternateContent xmlns:mc="http://schemas.openxmlformats.org/markup-compatibility/2006">
+    <mc:Choice xmlns:p159="http://schemas.microsoft.com/office/powerpoint/2015/09/main" Requires="p159">
       <p:transition spd="slow">
         <p159:morph option="byObject"/>
       </p:transition>
     </mc:Choice>
-    <mc:Fallback xmlns="">
+    <mc:Fallback>
       <p:transition spd="slow">
         <p:fade/>
       </p:transition>
@@ -36992,13 +36965,13 @@
   <p:clrMapOvr>
     <a:masterClrMapping/>
   </p:clrMapOvr>
-  <mc:AlternateContent xmlns:mc="http://schemas.openxmlformats.org/markup-compatibility/2006" xmlns:p159="http://schemas.microsoft.com/office/powerpoint/2015/09/main">
-    <mc:Choice Requires="p159">
+  <mc:AlternateContent xmlns:mc="http://schemas.openxmlformats.org/markup-compatibility/2006">
+    <mc:Choice xmlns:p159="http://schemas.microsoft.com/office/powerpoint/2015/09/main" Requires="p159">
       <p:transition spd="slow">
         <p159:morph option="byObject"/>
       </p:transition>
     </mc:Choice>
-    <mc:Fallback xmlns="">
+    <mc:Fallback>
       <p:transition spd="slow">
         <p:fade/>
       </p:transition>
@@ -39492,13 +39465,13 @@
   <p:clrMapOvr>
     <a:masterClrMapping/>
   </p:clrMapOvr>
-  <mc:AlternateContent xmlns:mc="http://schemas.openxmlformats.org/markup-compatibility/2006" xmlns:p159="http://schemas.microsoft.com/office/powerpoint/2015/09/main">
-    <mc:Choice Requires="p159">
+  <mc:AlternateContent xmlns:mc="http://schemas.openxmlformats.org/markup-compatibility/2006">
+    <mc:Choice xmlns:p159="http://schemas.microsoft.com/office/powerpoint/2015/09/main" Requires="p159">
       <p:transition spd="slow">
         <p159:morph option="byObject"/>
       </p:transition>
     </mc:Choice>
-    <mc:Fallback xmlns="">
+    <mc:Fallback>
       <p:transition spd="slow">
         <p:fade/>
       </p:transition>
@@ -41995,13 +41968,13 @@
   <p:clrMapOvr>
     <a:masterClrMapping/>
   </p:clrMapOvr>
-  <mc:AlternateContent xmlns:mc="http://schemas.openxmlformats.org/markup-compatibility/2006" xmlns:p159="http://schemas.microsoft.com/office/powerpoint/2015/09/main">
-    <mc:Choice Requires="p159">
+  <mc:AlternateContent xmlns:mc="http://schemas.openxmlformats.org/markup-compatibility/2006">
+    <mc:Choice xmlns:p159="http://schemas.microsoft.com/office/powerpoint/2015/09/main" Requires="p159">
       <p:transition spd="slow">
         <p159:morph option="byObject"/>
       </p:transition>
     </mc:Choice>
-    <mc:Fallback xmlns="">
+    <mc:Fallback>
       <p:transition spd="slow">
         <p:fade/>
       </p:transition>
@@ -44546,13 +44519,13 @@
   <p:clrMapOvr>
     <a:masterClrMapping/>
   </p:clrMapOvr>
-  <mc:AlternateContent xmlns:mc="http://schemas.openxmlformats.org/markup-compatibility/2006" xmlns:p159="http://schemas.microsoft.com/office/powerpoint/2015/09/main">
-    <mc:Choice Requires="p159">
+  <mc:AlternateContent xmlns:mc="http://schemas.openxmlformats.org/markup-compatibility/2006">
+    <mc:Choice xmlns:p159="http://schemas.microsoft.com/office/powerpoint/2015/09/main" Requires="p159">
       <p:transition spd="slow">
         <p159:morph option="byObject"/>
       </p:transition>
     </mc:Choice>
-    <mc:Fallback xmlns="">
+    <mc:Fallback>
       <p:transition spd="slow">
         <p:fade/>
       </p:transition>
@@ -47005,13 +46978,13 @@
   <p:clrMapOvr>
     <a:masterClrMapping/>
   </p:clrMapOvr>
-  <mc:AlternateContent xmlns:mc="http://schemas.openxmlformats.org/markup-compatibility/2006" xmlns:p159="http://schemas.microsoft.com/office/powerpoint/2015/09/main">
-    <mc:Choice Requires="p159">
+  <mc:AlternateContent xmlns:mc="http://schemas.openxmlformats.org/markup-compatibility/2006">
+    <mc:Choice xmlns:p159="http://schemas.microsoft.com/office/powerpoint/2015/09/main" Requires="p159">
       <p:transition spd="slow">
         <p159:morph option="byObject"/>
       </p:transition>
     </mc:Choice>
-    <mc:Fallback xmlns="">
+    <mc:Fallback>
       <p:transition spd="slow">
         <p:fade/>
       </p:transition>
@@ -49402,13 +49375,13 @@
   <p:clrMapOvr>
     <a:masterClrMapping/>
   </p:clrMapOvr>
-  <mc:AlternateContent xmlns:mc="http://schemas.openxmlformats.org/markup-compatibility/2006" xmlns:p159="http://schemas.microsoft.com/office/powerpoint/2015/09/main">
-    <mc:Choice Requires="p159">
+  <mc:AlternateContent xmlns:mc="http://schemas.openxmlformats.org/markup-compatibility/2006">
+    <mc:Choice xmlns:p159="http://schemas.microsoft.com/office/powerpoint/2015/09/main" Requires="p159">
       <p:transition spd="slow">
         <p159:morph option="byObject"/>
       </p:transition>
     </mc:Choice>
-    <mc:Fallback xmlns="">
+    <mc:Fallback>
       <p:transition spd="slow">
         <p:fade/>
       </p:transition>

--- a/SPCK/SPCK.pptx
+++ b/SPCK/SPCK.pptx
@@ -7937,13 +7937,13 @@
   <p:clrMapOvr>
     <a:masterClrMapping/>
   </p:clrMapOvr>
-  <mc:AlternateContent xmlns:mc="http://schemas.openxmlformats.org/markup-compatibility/2006">
-    <mc:Choice xmlns:p159="http://schemas.microsoft.com/office/powerpoint/2015/09/main" Requires="p159">
+  <mc:AlternateContent xmlns:mc="http://schemas.openxmlformats.org/markup-compatibility/2006" xmlns:p159="http://schemas.microsoft.com/office/powerpoint/2015/09/main">
+    <mc:Choice Requires="p159">
       <p:transition spd="slow">
         <p159:morph option="byObject"/>
       </p:transition>
     </mc:Choice>
-    <mc:Fallback>
+    <mc:Fallback xmlns="">
       <p:transition spd="slow">
         <p:fade/>
       </p:transition>
@@ -10139,13 +10139,13 @@
   <p:clrMapOvr>
     <a:masterClrMapping/>
   </p:clrMapOvr>
-  <mc:AlternateContent xmlns:mc="http://schemas.openxmlformats.org/markup-compatibility/2006">
-    <mc:Choice xmlns:p159="http://schemas.microsoft.com/office/powerpoint/2015/09/main" Requires="p159">
+  <mc:AlternateContent xmlns:mc="http://schemas.openxmlformats.org/markup-compatibility/2006" xmlns:p159="http://schemas.microsoft.com/office/powerpoint/2015/09/main">
+    <mc:Choice Requires="p159">
       <p:transition spd="slow">
         <p159:morph option="byObject"/>
       </p:transition>
     </mc:Choice>
-    <mc:Fallback>
+    <mc:Fallback xmlns="">
       <p:transition spd="slow">
         <p:fade/>
       </p:transition>
@@ -12358,7 +12358,7 @@
             <a:avLst/>
           </a:prstGeom>
           <a:solidFill>
-            <a:srgbClr val="495664"/>
+            <a:srgbClr val="E7B10A"/>
           </a:solidFill>
           <a:ln w="57150">
             <a:solidFill>
@@ -12461,7 +12461,7 @@
             <a:avLst/>
           </a:prstGeom>
           <a:solidFill>
-            <a:srgbClr val="495664"/>
+            <a:srgbClr val="E7B10A"/>
           </a:solidFill>
           <a:ln>
             <a:noFill/>
@@ -12513,7 +12513,7 @@
             <a:avLst/>
           </a:prstGeom>
           <a:solidFill>
-            <a:srgbClr val="495664"/>
+            <a:srgbClr val="E7B10A"/>
           </a:solidFill>
           <a:ln>
             <a:noFill/>
@@ -12565,7 +12565,7 @@
             <a:avLst/>
           </a:prstGeom>
           <a:solidFill>
-            <a:srgbClr val="495664"/>
+            <a:srgbClr val="E7B10A"/>
           </a:solidFill>
           <a:ln>
             <a:noFill/>
@@ -12666,7 +12666,7 @@
         </p:blipFill>
         <p:spPr>
           <a:xfrm>
-            <a:off x="7534084" y="4190108"/>
+            <a:off x="7520016" y="4190108"/>
             <a:ext cx="690754" cy="690754"/>
           </a:xfrm>
           <a:prstGeom prst="rect">
@@ -12762,13 +12762,13 @@
   <p:clrMapOvr>
     <a:masterClrMapping/>
   </p:clrMapOvr>
-  <mc:AlternateContent xmlns:mc="http://schemas.openxmlformats.org/markup-compatibility/2006">
-    <mc:Choice xmlns:p159="http://schemas.microsoft.com/office/powerpoint/2015/09/main" Requires="p159">
+  <mc:AlternateContent xmlns:mc="http://schemas.openxmlformats.org/markup-compatibility/2006" xmlns:p159="http://schemas.microsoft.com/office/powerpoint/2015/09/main">
+    <mc:Choice Requires="p159">
       <p:transition spd="slow">
         <p159:morph option="byObject"/>
       </p:transition>
     </mc:Choice>
-    <mc:Fallback>
+    <mc:Fallback xmlns="">
       <p:transition spd="slow">
         <p:fade/>
       </p:transition>
@@ -12824,7 +12824,7 @@
           </a:prstGeom>
           <a:ln w="57150">
             <a:solidFill>
-              <a:srgbClr val="495664"/>
+              <a:srgbClr val="E7B10A"/>
             </a:solidFill>
           </a:ln>
         </p:spPr>
@@ -14937,7 +14937,7 @@
             <a:avLst/>
           </a:prstGeom>
           <a:solidFill>
-            <a:srgbClr val="495664"/>
+            <a:srgbClr val="E7B10A"/>
           </a:solidFill>
           <a:ln>
             <a:noFill/>
@@ -15052,7 +15052,7 @@
             <a:avLst/>
           </a:prstGeom>
           <a:solidFill>
-            <a:srgbClr val="495664"/>
+            <a:srgbClr val="E7B10A"/>
           </a:solidFill>
           <a:ln w="57150">
             <a:solidFill>
@@ -15106,7 +15106,7 @@
             <a:avLst/>
           </a:prstGeom>
           <a:solidFill>
-            <a:srgbClr val="495664"/>
+            <a:srgbClr val="E7B10A"/>
           </a:solidFill>
           <a:ln>
             <a:noFill/>
@@ -15158,7 +15158,7 @@
             <a:avLst/>
           </a:prstGeom>
           <a:solidFill>
-            <a:srgbClr val="495664"/>
+            <a:srgbClr val="E7B10A"/>
           </a:solidFill>
           <a:ln>
             <a:noFill/>
@@ -15496,7 +15496,7 @@
           </a:prstGeom>
           <a:ln w="57150">
             <a:solidFill>
-              <a:srgbClr val="495664"/>
+              <a:srgbClr val="E7B10A"/>
             </a:solidFill>
           </a:ln>
         </p:spPr>
@@ -17609,7 +17609,7 @@
             <a:avLst/>
           </a:prstGeom>
           <a:solidFill>
-            <a:srgbClr val="495664"/>
+            <a:srgbClr val="E7B10A"/>
           </a:solidFill>
           <a:ln>
             <a:noFill/>
@@ -17717,7 +17717,7 @@
             <a:avLst/>
           </a:prstGeom>
           <a:solidFill>
-            <a:srgbClr val="495664"/>
+            <a:srgbClr val="E7B10A"/>
           </a:solidFill>
           <a:ln>
             <a:noFill/>
@@ -17769,7 +17769,7 @@
             <a:avLst/>
           </a:prstGeom>
           <a:solidFill>
-            <a:srgbClr val="495664"/>
+            <a:srgbClr val="E7B10A"/>
           </a:solidFill>
           <a:ln w="57150">
             <a:solidFill>
@@ -17823,7 +17823,7 @@
             <a:avLst/>
           </a:prstGeom>
           <a:solidFill>
-            <a:srgbClr val="495664"/>
+            <a:srgbClr val="E7B10A"/>
           </a:solidFill>
           <a:ln>
             <a:noFill/>
@@ -18161,7 +18161,7 @@
           </a:prstGeom>
           <a:ln w="57150">
             <a:solidFill>
-              <a:srgbClr val="495664"/>
+              <a:srgbClr val="E7B10A"/>
             </a:solidFill>
           </a:ln>
         </p:spPr>
@@ -20274,7 +20274,7 @@
             <a:avLst/>
           </a:prstGeom>
           <a:solidFill>
-            <a:srgbClr val="495664"/>
+            <a:srgbClr val="E7B10A"/>
           </a:solidFill>
           <a:ln>
             <a:noFill/>
@@ -20375,7 +20375,7 @@
             <a:avLst/>
           </a:prstGeom>
           <a:solidFill>
-            <a:srgbClr val="495664"/>
+            <a:srgbClr val="E7B10A"/>
           </a:solidFill>
           <a:ln>
             <a:noFill/>
@@ -20427,7 +20427,7 @@
             <a:avLst/>
           </a:prstGeom>
           <a:solidFill>
-            <a:srgbClr val="495664"/>
+            <a:srgbClr val="E7B10A"/>
           </a:solidFill>
           <a:ln>
             <a:noFill/>
@@ -20479,7 +20479,7 @@
             <a:avLst/>
           </a:prstGeom>
           <a:solidFill>
-            <a:srgbClr val="495664"/>
+            <a:srgbClr val="E7B10A"/>
           </a:solidFill>
           <a:ln w="57150">
             <a:solidFill>
@@ -22960,13 +22960,13 @@
   <p:clrMapOvr>
     <a:masterClrMapping/>
   </p:clrMapOvr>
-  <mc:AlternateContent xmlns:mc="http://schemas.openxmlformats.org/markup-compatibility/2006">
-    <mc:Choice xmlns:p159="http://schemas.microsoft.com/office/powerpoint/2015/09/main" Requires="p159">
+  <mc:AlternateContent xmlns:mc="http://schemas.openxmlformats.org/markup-compatibility/2006" xmlns:p159="http://schemas.microsoft.com/office/powerpoint/2015/09/main">
+    <mc:Choice Requires="p159">
       <p:transition spd="slow">
         <p159:morph option="byObject"/>
       </p:transition>
     </mc:Choice>
-    <mc:Fallback>
+    <mc:Fallback xmlns="">
       <p:transition spd="slow">
         <p:fade/>
       </p:transition>
@@ -24818,7 +24818,7 @@
         <p:spPr>
           <a:xfrm>
             <a:off x="5796653" y="2757983"/>
-            <a:ext cx="6228376" cy="2923877"/>
+            <a:ext cx="6228376" cy="2862322"/>
           </a:xfrm>
           <a:prstGeom prst="rect">
             <a:avLst/>
@@ -24841,7 +24841,7 @@
                   <a:schemeClr val="bg1"/>
                 </a:solidFill>
               </a:rPr>
-              <a:t>Cho phép phần mềm chạy đa luồng để tránh tình trạng đóng băng cửa sổ khi API phản hồi.</a:t>
+              <a:t>Phần mềm chưa được chạy đa luồng dấn đến tình trạng đóng băng cửa sổ khi API phản hồi.</a:t>
             </a:r>
           </a:p>
           <a:p>
@@ -25260,13 +25260,13 @@
   <p:clrMapOvr>
     <a:masterClrMapping/>
   </p:clrMapOvr>
-  <mc:AlternateContent xmlns:mc="http://schemas.openxmlformats.org/markup-compatibility/2006">
-    <mc:Choice xmlns:p159="http://schemas.microsoft.com/office/powerpoint/2015/09/main" Requires="p159">
+  <mc:AlternateContent xmlns:mc="http://schemas.openxmlformats.org/markup-compatibility/2006" xmlns:p159="http://schemas.microsoft.com/office/powerpoint/2015/09/main">
+    <mc:Choice Requires="p159">
       <p:transition spd="slow">
         <p159:morph option="byObject"/>
       </p:transition>
     </mc:Choice>
-    <mc:Fallback>
+    <mc:Fallback xmlns="">
       <p:transition spd="slow">
         <p:fade/>
       </p:transition>
@@ -27536,13 +27536,13 @@
   <p:clrMapOvr>
     <a:masterClrMapping/>
   </p:clrMapOvr>
-  <mc:AlternateContent xmlns:mc="http://schemas.openxmlformats.org/markup-compatibility/2006">
-    <mc:Choice xmlns:p159="http://schemas.microsoft.com/office/powerpoint/2015/09/main" Requires="p159">
+  <mc:AlternateContent xmlns:mc="http://schemas.openxmlformats.org/markup-compatibility/2006" xmlns:p159="http://schemas.microsoft.com/office/powerpoint/2015/09/main">
+    <mc:Choice Requires="p159">
       <p:transition spd="slow">
         <p159:morph option="byObject"/>
       </p:transition>
     </mc:Choice>
-    <mc:Fallback>
+    <mc:Fallback xmlns="">
       <p:transition spd="slow">
         <p:fade/>
       </p:transition>
@@ -29762,13 +29762,13 @@
   <p:clrMapOvr>
     <a:masterClrMapping/>
   </p:clrMapOvr>
-  <mc:AlternateContent xmlns:mc="http://schemas.openxmlformats.org/markup-compatibility/2006">
-    <mc:Choice xmlns:p159="http://schemas.microsoft.com/office/powerpoint/2015/09/main" Requires="p159">
+  <mc:AlternateContent xmlns:mc="http://schemas.openxmlformats.org/markup-compatibility/2006" xmlns:p159="http://schemas.microsoft.com/office/powerpoint/2015/09/main">
+    <mc:Choice Requires="p159">
       <p:transition spd="slow">
         <p159:morph option="byObject"/>
       </p:transition>
     </mc:Choice>
-    <mc:Fallback>
+    <mc:Fallback xmlns="">
       <p:transition spd="slow">
         <p:fade/>
       </p:transition>
@@ -31972,13 +31972,13 @@
   <p:clrMapOvr>
     <a:masterClrMapping/>
   </p:clrMapOvr>
-  <mc:AlternateContent xmlns:mc="http://schemas.openxmlformats.org/markup-compatibility/2006">
-    <mc:Choice xmlns:p159="http://schemas.microsoft.com/office/powerpoint/2015/09/main" Requires="p159">
+  <mc:AlternateContent xmlns:mc="http://schemas.openxmlformats.org/markup-compatibility/2006" xmlns:p159="http://schemas.microsoft.com/office/powerpoint/2015/09/main">
+    <mc:Choice Requires="p159">
       <p:transition spd="slow">
         <p159:morph option="byObject"/>
       </p:transition>
     </mc:Choice>
-    <mc:Fallback>
+    <mc:Fallback xmlns="">
       <p:transition spd="slow">
         <p:fade/>
       </p:transition>
@@ -34436,13 +34436,13 @@
   <p:clrMapOvr>
     <a:masterClrMapping/>
   </p:clrMapOvr>
-  <mc:AlternateContent xmlns:mc="http://schemas.openxmlformats.org/markup-compatibility/2006">
-    <mc:Choice xmlns:p159="http://schemas.microsoft.com/office/powerpoint/2015/09/main" Requires="p159">
+  <mc:AlternateContent xmlns:mc="http://schemas.openxmlformats.org/markup-compatibility/2006" xmlns:p159="http://schemas.microsoft.com/office/powerpoint/2015/09/main">
+    <mc:Choice Requires="p159">
       <p:transition spd="slow">
         <p159:morph option="byObject"/>
       </p:transition>
     </mc:Choice>
-    <mc:Fallback>
+    <mc:Fallback xmlns="">
       <p:transition spd="slow">
         <p:fade/>
       </p:transition>
@@ -36965,13 +36965,13 @@
   <p:clrMapOvr>
     <a:masterClrMapping/>
   </p:clrMapOvr>
-  <mc:AlternateContent xmlns:mc="http://schemas.openxmlformats.org/markup-compatibility/2006">
-    <mc:Choice xmlns:p159="http://schemas.microsoft.com/office/powerpoint/2015/09/main" Requires="p159">
+  <mc:AlternateContent xmlns:mc="http://schemas.openxmlformats.org/markup-compatibility/2006" xmlns:p159="http://schemas.microsoft.com/office/powerpoint/2015/09/main">
+    <mc:Choice Requires="p159">
       <p:transition spd="slow">
         <p159:morph option="byObject"/>
       </p:transition>
     </mc:Choice>
-    <mc:Fallback>
+    <mc:Fallback xmlns="">
       <p:transition spd="slow">
         <p:fade/>
       </p:transition>
@@ -39465,13 +39465,13 @@
   <p:clrMapOvr>
     <a:masterClrMapping/>
   </p:clrMapOvr>
-  <mc:AlternateContent xmlns:mc="http://schemas.openxmlformats.org/markup-compatibility/2006">
-    <mc:Choice xmlns:p159="http://schemas.microsoft.com/office/powerpoint/2015/09/main" Requires="p159">
+  <mc:AlternateContent xmlns:mc="http://schemas.openxmlformats.org/markup-compatibility/2006" xmlns:p159="http://schemas.microsoft.com/office/powerpoint/2015/09/main">
+    <mc:Choice Requires="p159">
       <p:transition spd="slow">
         <p159:morph option="byObject"/>
       </p:transition>
     </mc:Choice>
-    <mc:Fallback>
+    <mc:Fallback xmlns="">
       <p:transition spd="slow">
         <p:fade/>
       </p:transition>
@@ -41968,13 +41968,13 @@
   <p:clrMapOvr>
     <a:masterClrMapping/>
   </p:clrMapOvr>
-  <mc:AlternateContent xmlns:mc="http://schemas.openxmlformats.org/markup-compatibility/2006">
-    <mc:Choice xmlns:p159="http://schemas.microsoft.com/office/powerpoint/2015/09/main" Requires="p159">
+  <mc:AlternateContent xmlns:mc="http://schemas.openxmlformats.org/markup-compatibility/2006" xmlns:p159="http://schemas.microsoft.com/office/powerpoint/2015/09/main">
+    <mc:Choice Requires="p159">
       <p:transition spd="slow">
         <p159:morph option="byObject"/>
       </p:transition>
     </mc:Choice>
-    <mc:Fallback>
+    <mc:Fallback xmlns="">
       <p:transition spd="slow">
         <p:fade/>
       </p:transition>
@@ -44519,13 +44519,13 @@
   <p:clrMapOvr>
     <a:masterClrMapping/>
   </p:clrMapOvr>
-  <mc:AlternateContent xmlns:mc="http://schemas.openxmlformats.org/markup-compatibility/2006">
-    <mc:Choice xmlns:p159="http://schemas.microsoft.com/office/powerpoint/2015/09/main" Requires="p159">
+  <mc:AlternateContent xmlns:mc="http://schemas.openxmlformats.org/markup-compatibility/2006" xmlns:p159="http://schemas.microsoft.com/office/powerpoint/2015/09/main">
+    <mc:Choice Requires="p159">
       <p:transition spd="slow">
         <p159:morph option="byObject"/>
       </p:transition>
     </mc:Choice>
-    <mc:Fallback>
+    <mc:Fallback xmlns="">
       <p:transition spd="slow">
         <p:fade/>
       </p:transition>
@@ -46978,13 +46978,13 @@
   <p:clrMapOvr>
     <a:masterClrMapping/>
   </p:clrMapOvr>
-  <mc:AlternateContent xmlns:mc="http://schemas.openxmlformats.org/markup-compatibility/2006">
-    <mc:Choice xmlns:p159="http://schemas.microsoft.com/office/powerpoint/2015/09/main" Requires="p159">
+  <mc:AlternateContent xmlns:mc="http://schemas.openxmlformats.org/markup-compatibility/2006" xmlns:p159="http://schemas.microsoft.com/office/powerpoint/2015/09/main">
+    <mc:Choice Requires="p159">
       <p:transition spd="slow">
         <p159:morph option="byObject"/>
       </p:transition>
     </mc:Choice>
-    <mc:Fallback>
+    <mc:Fallback xmlns="">
       <p:transition spd="slow">
         <p:fade/>
       </p:transition>
@@ -49375,13 +49375,13 @@
   <p:clrMapOvr>
     <a:masterClrMapping/>
   </p:clrMapOvr>
-  <mc:AlternateContent xmlns:mc="http://schemas.openxmlformats.org/markup-compatibility/2006">
-    <mc:Choice xmlns:p159="http://schemas.microsoft.com/office/powerpoint/2015/09/main" Requires="p159">
+  <mc:AlternateContent xmlns:mc="http://schemas.openxmlformats.org/markup-compatibility/2006" xmlns:p159="http://schemas.microsoft.com/office/powerpoint/2015/09/main">
+    <mc:Choice Requires="p159">
       <p:transition spd="slow">
         <p159:morph option="byObject"/>
       </p:transition>
     </mc:Choice>
-    <mc:Fallback>
+    <mc:Fallback xmlns="">
       <p:transition spd="slow">
         <p:fade/>
       </p:transition>

--- a/SPCK/SPCK.pptx
+++ b/SPCK/SPCK.pptx
@@ -24817,8 +24817,8 @@
         </p:nvSpPr>
         <p:spPr>
           <a:xfrm>
-            <a:off x="5796653" y="2757983"/>
-            <a:ext cx="6228376" cy="2862322"/>
+            <a:off x="5444197" y="2757983"/>
+            <a:ext cx="6580832" cy="2862322"/>
           </a:xfrm>
           <a:prstGeom prst="rect">
             <a:avLst/>
@@ -24831,7 +24831,7 @@
           </a:bodyPr>
           <a:lstStyle/>
           <a:p>
-            <a:pPr marL="342900" indent="-342900">
+            <a:pPr marL="342900" indent="-342900" algn="just">
               <a:buFont typeface="Arial" panose="020B0604020202020204" pitchFamily="34" charset="0"/>
               <a:buChar char="•"/>
             </a:pPr>
@@ -24845,7 +24845,7 @@
             </a:r>
           </a:p>
           <a:p>
-            <a:pPr marL="342900" indent="-342900">
+            <a:pPr marL="342900" indent="-342900" algn="just">
               <a:buFont typeface="Arial" panose="020B0604020202020204" pitchFamily="34" charset="0"/>
               <a:buChar char="•"/>
             </a:pPr>
@@ -24856,7 +24856,7 @@
             </a:endParaRPr>
           </a:p>
           <a:p>
-            <a:pPr marL="342900" indent="-342900">
+            <a:pPr marL="342900" indent="-342900" algn="just">
               <a:buFont typeface="Arial" panose="020B0604020202020204" pitchFamily="34" charset="0"/>
               <a:buChar char="•"/>
             </a:pPr>
@@ -24870,6 +24870,7 @@
             </a:r>
           </a:p>
           <a:p>
+            <a:pPr algn="just"/>
             <a:endParaRPr lang="vi-VN" sz="1600">
               <a:solidFill>
                 <a:schemeClr val="bg1"/>
@@ -24877,7 +24878,7 @@
             </a:endParaRPr>
           </a:p>
           <a:p>
-            <a:pPr marL="342900" indent="-342900">
+            <a:pPr marL="342900" indent="-342900" algn="just">
               <a:buFont typeface="Arial" panose="020B0604020202020204" pitchFamily="34" charset="0"/>
               <a:buChar char="•"/>
             </a:pPr>
@@ -46206,9 +46207,9 @@
         <p:grpSpPr>
           <a:xfrm>
             <a:off x="5075228" y="2291017"/>
-            <a:ext cx="6643314" cy="2702654"/>
+            <a:ext cx="6643314" cy="3441317"/>
             <a:chOff x="0" y="9525"/>
-            <a:chExt cx="12952462" cy="3255742"/>
+            <a:chExt cx="12952462" cy="4145570"/>
           </a:xfrm>
         </p:grpSpPr>
         <p:sp>
@@ -46341,14 +46342,14 @@
           <p:spPr>
             <a:xfrm>
               <a:off x="0" y="1930524"/>
-              <a:ext cx="11603764" cy="1334743"/>
+              <a:ext cx="12348749" cy="2224571"/>
             </a:xfrm>
             <a:prstGeom prst="rect">
               <a:avLst/>
             </a:prstGeom>
           </p:spPr>
           <p:txBody>
-            <a:bodyPr lIns="0" tIns="0" rIns="0" bIns="0" rtlCol="0" anchor="t">
+            <a:bodyPr wrap="square" lIns="0" tIns="0" rIns="0" bIns="0" rtlCol="0" anchor="t">
               <a:spAutoFit/>
             </a:bodyPr>
             <a:lstStyle/>
@@ -46478,6 +46479,29 @@
                   <a:cs typeface="Arial" panose="020B0604020202020204" pitchFamily="34" charset="0"/>
                 </a:rPr>
                 <a:t>Trường: THCS Thạnh Phú</a:t>
+              </a:r>
+              <a:endParaRPr lang="en-US" sz="2400">
+                <a:solidFill>
+                  <a:schemeClr val="bg1"/>
+                </a:solidFill>
+                <a:latin typeface="Arial" panose="020B0604020202020204" pitchFamily="34" charset="0"/>
+                <a:cs typeface="Arial" panose="020B0604020202020204" pitchFamily="34" charset="0"/>
+              </a:endParaRPr>
+            </a:p>
+            <a:p>
+              <a:pPr marL="690876" lvl="1" indent="-345438">
+                <a:buFont typeface="Arial"/>
+                <a:buChar char="•"/>
+              </a:pPr>
+              <a:r>
+                <a:rPr lang="vi-VN" sz="2400">
+                  <a:solidFill>
+                    <a:schemeClr val="bg1"/>
+                  </a:solidFill>
+                  <a:latin typeface="Arial" panose="020B0604020202020204" pitchFamily="34" charset="0"/>
+                  <a:cs typeface="Arial" panose="020B0604020202020204" pitchFamily="34" charset="0"/>
+                </a:rPr>
+                <a:t>Sở thích: Chơi game, đạp xe, nghe nhạc, viết code, tìm hiểu về những thứ mới lạ</a:t>
               </a:r>
               <a:endParaRPr lang="en-US" sz="2400">
                 <a:solidFill>
